--- a/_assets/eris.pptx
+++ b/_assets/eris.pptx
@@ -5,10 +5,10 @@
     <p:sldMasterId id="2147483648" r:id="rId1"/>
   </p:sldMasterIdLst>
   <p:notesMasterIdLst>
-    <p:notesMasterId r:id="rId25"/>
+    <p:notesMasterId r:id="rId27"/>
   </p:notesMasterIdLst>
   <p:handoutMasterIdLst>
-    <p:handoutMasterId r:id="rId26"/>
+    <p:handoutMasterId r:id="rId28"/>
   </p:handoutMasterIdLst>
   <p:sldIdLst>
     <p:sldId id="326" r:id="rId2"/>
@@ -30,10 +30,12 @@
     <p:sldId id="359" r:id="rId18"/>
     <p:sldId id="364" r:id="rId19"/>
     <p:sldId id="365" r:id="rId20"/>
-    <p:sldId id="355" r:id="rId21"/>
-    <p:sldId id="360" r:id="rId22"/>
-    <p:sldId id="350" r:id="rId23"/>
-    <p:sldId id="363" r:id="rId24"/>
+    <p:sldId id="366" r:id="rId21"/>
+    <p:sldId id="367" r:id="rId22"/>
+    <p:sldId id="355" r:id="rId23"/>
+    <p:sldId id="360" r:id="rId24"/>
+    <p:sldId id="350" r:id="rId25"/>
+    <p:sldId id="363" r:id="rId26"/>
   </p:sldIdLst>
   <p:sldSz cx="12192000" cy="6858000"/>
   <p:notesSz cx="6858000" cy="9144000"/>
@@ -16293,6 +16295,96 @@
 </p:sldLayout>
 </file>
 
+<file path=ppt/slideLayouts/slideLayout49.xml><?xml version="1.0" encoding="utf-8"?>
+<p:sldLayout xmlns:a="http://schemas.openxmlformats.org/drawingml/2006/main" xmlns:r="http://schemas.openxmlformats.org/officeDocument/2006/relationships" xmlns:p="http://schemas.openxmlformats.org/presentationml/2006/main" preserve="1" userDrawn="1">
+  <p:cSld name="1_Custom Layout">
+    <p:bg>
+      <p:bgPr>
+        <a:solidFill>
+          <a:srgbClr val="000000"/>
+        </a:solidFill>
+        <a:effectLst/>
+      </p:bgPr>
+    </p:bg>
+    <p:spTree>
+      <p:nvGrpSpPr>
+        <p:cNvPr id="1" name=""/>
+        <p:cNvGrpSpPr/>
+        <p:nvPr/>
+      </p:nvGrpSpPr>
+      <p:grpSpPr>
+        <a:xfrm>
+          <a:off x="0" y="0"/>
+          <a:ext cx="0" cy="0"/>
+          <a:chOff x="0" y="0"/>
+          <a:chExt cx="0" cy="0"/>
+        </a:xfrm>
+      </p:grpSpPr>
+      <p:sp>
+        <p:nvSpPr>
+          <p:cNvPr id="2" name="Rechteck 1">
+            <a:extLst>
+              <a:ext uri="{FF2B5EF4-FFF2-40B4-BE49-F238E27FC236}">
+                <a16:creationId xmlns:a16="http://schemas.microsoft.com/office/drawing/2014/main" id="{383D9E84-67BE-2426-8E66-2195F21C3DC6}"/>
+              </a:ext>
+            </a:extLst>
+          </p:cNvPr>
+          <p:cNvSpPr/>
+          <p:nvPr userDrawn="1"/>
+        </p:nvSpPr>
+        <p:spPr>
+          <a:xfrm>
+            <a:off x="0" y="0"/>
+            <a:ext cx="12192000" cy="6858000"/>
+          </a:xfrm>
+          <a:prstGeom prst="rect">
+            <a:avLst/>
+          </a:prstGeom>
+          <a:solidFill>
+            <a:srgbClr val="000000"/>
+          </a:solidFill>
+          <a:ln>
+            <a:noFill/>
+          </a:ln>
+        </p:spPr>
+        <p:style>
+          <a:lnRef idx="2">
+            <a:schemeClr val="accent1">
+              <a:shade val="50000"/>
+            </a:schemeClr>
+          </a:lnRef>
+          <a:fillRef idx="1">
+            <a:schemeClr val="accent1"/>
+          </a:fillRef>
+          <a:effectRef idx="0">
+            <a:schemeClr val="accent1"/>
+          </a:effectRef>
+          <a:fontRef idx="minor">
+            <a:schemeClr val="lt1"/>
+          </a:fontRef>
+        </p:style>
+        <p:txBody>
+          <a:bodyPr rtlCol="0" anchor="ctr"/>
+          <a:lstStyle/>
+          <a:p>
+            <a:pPr algn="ctr"/>
+            <a:endParaRPr lang="de-DE"/>
+          </a:p>
+        </p:txBody>
+      </p:sp>
+    </p:spTree>
+    <p:extLst>
+      <p:ext uri="{BB962C8B-B14F-4D97-AF65-F5344CB8AC3E}">
+        <p14:creationId xmlns:p14="http://schemas.microsoft.com/office/powerpoint/2010/main" val="2022252492"/>
+      </p:ext>
+    </p:extLst>
+  </p:cSld>
+  <p:clrMapOvr>
+    <a:masterClrMapping/>
+  </p:clrMapOvr>
+</p:sldLayout>
+</file>
+
 <file path=ppt/slideLayouts/slideLayout5.xml><?xml version="1.0" encoding="utf-8"?>
 <p:sldLayout xmlns:a="http://schemas.openxmlformats.org/drawingml/2006/main" xmlns:r="http://schemas.openxmlformats.org/officeDocument/2006/relationships" xmlns:p="http://schemas.openxmlformats.org/presentationml/2006/main" preserve="1" userDrawn="1">
   <p:cSld name="Creative Opening">
@@ -17921,6 +18013,7 @@
     <p:sldLayoutId id="2147483696" r:id="rId46"/>
     <p:sldLayoutId id="2147483697" r:id="rId47"/>
     <p:sldLayoutId id="2147483698" r:id="rId48"/>
+    <p:sldLayoutId id="2147483701" r:id="rId49"/>
   </p:sldLayoutIdLst>
   <p:txStyles>
     <p:titleStyle>
@@ -28180,13 +28273,13 @@
   <p:clrMapOvr>
     <a:masterClrMapping/>
   </p:clrMapOvr>
-  <mc:AlternateContent xmlns:mc="http://schemas.openxmlformats.org/markup-compatibility/2006">
-    <mc:Choice xmlns:p14="http://schemas.microsoft.com/office/powerpoint/2010/main" Requires="p14">
+  <mc:AlternateContent xmlns:mc="http://schemas.openxmlformats.org/markup-compatibility/2006" xmlns:p14="http://schemas.microsoft.com/office/powerpoint/2010/main">
+    <mc:Choice Requires="p14">
       <p:transition spd="slow" p14:dur="1250">
         <p14:flip dir="r"/>
       </p:transition>
     </mc:Choice>
-    <mc:Fallback>
+    <mc:Fallback xmlns="">
       <p:transition spd="slow">
         <p:fade/>
       </p:transition>
@@ -32981,6 +33074,4144 @@
           <a:chExt cx="0" cy="0"/>
         </a:xfrm>
       </p:grpSpPr>
+      <p:sp>
+        <p:nvSpPr>
+          <p:cNvPr id="69" name="Rechteck 68">
+            <a:extLst>
+              <a:ext uri="{FF2B5EF4-FFF2-40B4-BE49-F238E27FC236}">
+                <a16:creationId xmlns:a16="http://schemas.microsoft.com/office/drawing/2014/main" id="{977A5E3C-0696-A06E-BD30-8DB0089A1650}"/>
+              </a:ext>
+            </a:extLst>
+          </p:cNvPr>
+          <p:cNvSpPr/>
+          <p:nvPr/>
+        </p:nvSpPr>
+        <p:spPr>
+          <a:xfrm>
+            <a:off x="2408191" y="609600"/>
+            <a:ext cx="8107409" cy="5905500"/>
+          </a:xfrm>
+          <a:prstGeom prst="rect">
+            <a:avLst/>
+          </a:prstGeom>
+          <a:solidFill>
+            <a:schemeClr val="bg2"/>
+          </a:solidFill>
+          <a:ln>
+            <a:solidFill>
+              <a:schemeClr val="bg2"/>
+            </a:solidFill>
+          </a:ln>
+        </p:spPr>
+        <p:style>
+          <a:lnRef idx="2">
+            <a:schemeClr val="dk1">
+              <a:shade val="50000"/>
+            </a:schemeClr>
+          </a:lnRef>
+          <a:fillRef idx="1">
+            <a:schemeClr val="dk1"/>
+          </a:fillRef>
+          <a:effectRef idx="0">
+            <a:schemeClr val="dk1"/>
+          </a:effectRef>
+          <a:fontRef idx="minor">
+            <a:schemeClr val="lt1"/>
+          </a:fontRef>
+        </p:style>
+        <p:txBody>
+          <a:bodyPr rtlCol="0" anchor="ctr"/>
+          <a:lstStyle/>
+          <a:p>
+            <a:pPr algn="ctr"/>
+            <a:endParaRPr lang="de-DE">
+              <a:solidFill>
+                <a:schemeClr val="bg2"/>
+              </a:solidFill>
+            </a:endParaRPr>
+          </a:p>
+        </p:txBody>
+      </p:sp>
+      <p:sp>
+        <p:nvSpPr>
+          <p:cNvPr id="11" name="Rechteck 10">
+            <a:extLst>
+              <a:ext uri="{FF2B5EF4-FFF2-40B4-BE49-F238E27FC236}">
+                <a16:creationId xmlns:a16="http://schemas.microsoft.com/office/drawing/2014/main" id="{E3CBFD71-13CC-D82B-5FC3-2689739692EC}"/>
+              </a:ext>
+            </a:extLst>
+          </p:cNvPr>
+          <p:cNvSpPr/>
+          <p:nvPr/>
+        </p:nvSpPr>
+        <p:spPr>
+          <a:xfrm>
+            <a:off x="5227737" y="2836752"/>
+            <a:ext cx="2482153" cy="673094"/>
+          </a:xfrm>
+          <a:prstGeom prst="rect">
+            <a:avLst/>
+          </a:prstGeom>
+          <a:noFill/>
+          <a:ln>
+            <a:solidFill>
+              <a:schemeClr val="tx2"/>
+            </a:solidFill>
+          </a:ln>
+        </p:spPr>
+        <p:style>
+          <a:lnRef idx="2">
+            <a:schemeClr val="accent3">
+              <a:shade val="50000"/>
+            </a:schemeClr>
+          </a:lnRef>
+          <a:fillRef idx="1">
+            <a:schemeClr val="accent3"/>
+          </a:fillRef>
+          <a:effectRef idx="0">
+            <a:schemeClr val="accent3"/>
+          </a:effectRef>
+          <a:fontRef idx="minor">
+            <a:schemeClr val="lt1"/>
+          </a:fontRef>
+        </p:style>
+        <p:txBody>
+          <a:bodyPr rtlCol="0" anchor="ctr"/>
+          <a:lstStyle/>
+          <a:p>
+            <a:pPr algn="ctr"/>
+            <a:r>
+              <a:rPr lang="de-DE" sz="1400" dirty="0">
+                <a:solidFill>
+                  <a:schemeClr val="tx1"/>
+                </a:solidFill>
+                <a:latin typeface="Aldrich" panose="02000000000000000000" pitchFamily="2" charset="0"/>
+                <a:cs typeface="Athiti Medium" panose="00000600000000000000" pitchFamily="2" charset="-34"/>
+              </a:rPr>
+              <a:t>Terra LSD</a:t>
+            </a:r>
+          </a:p>
+          <a:p>
+            <a:pPr algn="ctr"/>
+            <a:r>
+              <a:rPr lang="de-DE" sz="1400" dirty="0" err="1">
+                <a:solidFill>
+                  <a:schemeClr val="tx1"/>
+                </a:solidFill>
+                <a:latin typeface="Aldrich" panose="02000000000000000000" pitchFamily="2" charset="0"/>
+                <a:cs typeface="Athiti Medium" panose="00000600000000000000" pitchFamily="2" charset="-34"/>
+              </a:rPr>
+              <a:t>Liquidity</a:t>
+            </a:r>
+            <a:r>
+              <a:rPr lang="de-DE" sz="1400" dirty="0">
+                <a:solidFill>
+                  <a:schemeClr val="tx1"/>
+                </a:solidFill>
+                <a:latin typeface="Aldrich" panose="02000000000000000000" pitchFamily="2" charset="0"/>
+                <a:cs typeface="Athiti Medium" panose="00000600000000000000" pitchFamily="2" charset="-34"/>
+              </a:rPr>
+              <a:t> Hub</a:t>
+            </a:r>
+          </a:p>
+        </p:txBody>
+      </p:sp>
+      <p:sp>
+        <p:nvSpPr>
+          <p:cNvPr id="3" name="Rechteck 2">
+            <a:extLst>
+              <a:ext uri="{FF2B5EF4-FFF2-40B4-BE49-F238E27FC236}">
+                <a16:creationId xmlns:a16="http://schemas.microsoft.com/office/drawing/2014/main" id="{E6B4CC40-D342-FE5F-881A-394F87EDC466}"/>
+              </a:ext>
+            </a:extLst>
+          </p:cNvPr>
+          <p:cNvSpPr/>
+          <p:nvPr/>
+        </p:nvSpPr>
+        <p:spPr>
+          <a:xfrm>
+            <a:off x="2500611" y="2163656"/>
+            <a:ext cx="1293713" cy="673096"/>
+          </a:xfrm>
+          <a:prstGeom prst="rect">
+            <a:avLst/>
+          </a:prstGeom>
+          <a:noFill/>
+          <a:ln>
+            <a:gradFill>
+              <a:gsLst>
+                <a:gs pos="0">
+                  <a:schemeClr val="accent5"/>
+                </a:gs>
+                <a:gs pos="100000">
+                  <a:schemeClr val="accent4"/>
+                </a:gs>
+              </a:gsLst>
+              <a:lin ang="0" scaled="0"/>
+            </a:gradFill>
+          </a:ln>
+        </p:spPr>
+        <p:style>
+          <a:lnRef idx="2">
+            <a:schemeClr val="accent3">
+              <a:shade val="50000"/>
+            </a:schemeClr>
+          </a:lnRef>
+          <a:fillRef idx="1">
+            <a:schemeClr val="accent3"/>
+          </a:fillRef>
+          <a:effectRef idx="0">
+            <a:schemeClr val="accent3"/>
+          </a:effectRef>
+          <a:fontRef idx="minor">
+            <a:schemeClr val="lt1"/>
+          </a:fontRef>
+        </p:style>
+        <p:txBody>
+          <a:bodyPr rtlCol="0" anchor="ctr"/>
+          <a:lstStyle/>
+          <a:p>
+            <a:pPr algn="ctr"/>
+            <a:r>
+              <a:rPr lang="de-DE" sz="1400" dirty="0">
+                <a:solidFill>
+                  <a:schemeClr val="tx1"/>
+                </a:solidFill>
+                <a:latin typeface="Aldrich" panose="02000000000000000000" pitchFamily="2" charset="0"/>
+                <a:cs typeface="Athiti Medium" panose="00000600000000000000" pitchFamily="2" charset="-34"/>
+              </a:rPr>
+              <a:t>KUJIRA</a:t>
+            </a:r>
+          </a:p>
+        </p:txBody>
+      </p:sp>
+      <p:sp>
+        <p:nvSpPr>
+          <p:cNvPr id="5" name="Rechteck 4">
+            <a:extLst>
+              <a:ext uri="{FF2B5EF4-FFF2-40B4-BE49-F238E27FC236}">
+                <a16:creationId xmlns:a16="http://schemas.microsoft.com/office/drawing/2014/main" id="{8D656FF5-7BAC-4F41-925D-1CC1416C3AEF}"/>
+              </a:ext>
+            </a:extLst>
+          </p:cNvPr>
+          <p:cNvSpPr/>
+          <p:nvPr/>
+        </p:nvSpPr>
+        <p:spPr>
+          <a:xfrm>
+            <a:off x="5227737" y="3566996"/>
+            <a:ext cx="783727" cy="334253"/>
+          </a:xfrm>
+          <a:prstGeom prst="rect">
+            <a:avLst/>
+          </a:prstGeom>
+          <a:noFill/>
+          <a:ln>
+            <a:solidFill>
+              <a:schemeClr val="tx2"/>
+            </a:solidFill>
+          </a:ln>
+        </p:spPr>
+        <p:style>
+          <a:lnRef idx="2">
+            <a:schemeClr val="accent3">
+              <a:shade val="50000"/>
+            </a:schemeClr>
+          </a:lnRef>
+          <a:fillRef idx="1">
+            <a:schemeClr val="accent3"/>
+          </a:fillRef>
+          <a:effectRef idx="0">
+            <a:schemeClr val="accent3"/>
+          </a:effectRef>
+          <a:fontRef idx="minor">
+            <a:schemeClr val="lt1"/>
+          </a:fontRef>
+        </p:style>
+        <p:txBody>
+          <a:bodyPr rtlCol="0" anchor="ctr"/>
+          <a:lstStyle/>
+          <a:p>
+            <a:pPr algn="ctr"/>
+            <a:r>
+              <a:rPr lang="de-DE" sz="900" dirty="0">
+                <a:solidFill>
+                  <a:schemeClr val="tx1"/>
+                </a:solidFill>
+                <a:latin typeface="Aldrich" panose="02000000000000000000" pitchFamily="2" charset="0"/>
+                <a:cs typeface="Athiti Medium" panose="00000600000000000000" pitchFamily="2" charset="-34"/>
+              </a:rPr>
+              <a:t>MARS</a:t>
+            </a:r>
+          </a:p>
+          <a:p>
+            <a:pPr algn="ctr"/>
+            <a:r>
+              <a:rPr lang="de-DE" sz="900" dirty="0">
+                <a:solidFill>
+                  <a:schemeClr val="tx1"/>
+                </a:solidFill>
+                <a:latin typeface="Aldrich" panose="02000000000000000000" pitchFamily="2" charset="0"/>
+                <a:cs typeface="Athiti Medium" panose="00000600000000000000" pitchFamily="2" charset="-34"/>
+              </a:rPr>
+              <a:t>OUTPOST</a:t>
+            </a:r>
+          </a:p>
+        </p:txBody>
+      </p:sp>
+      <p:sp>
+        <p:nvSpPr>
+          <p:cNvPr id="6" name="Rechteck 5">
+            <a:extLst>
+              <a:ext uri="{FF2B5EF4-FFF2-40B4-BE49-F238E27FC236}">
+                <a16:creationId xmlns:a16="http://schemas.microsoft.com/office/drawing/2014/main" id="{592D507E-68F4-0BA1-F5D7-B06A4665B0A2}"/>
+              </a:ext>
+            </a:extLst>
+          </p:cNvPr>
+          <p:cNvSpPr/>
+          <p:nvPr/>
+        </p:nvSpPr>
+        <p:spPr>
+          <a:xfrm>
+            <a:off x="6076950" y="3566995"/>
+            <a:ext cx="783727" cy="334253"/>
+          </a:xfrm>
+          <a:prstGeom prst="rect">
+            <a:avLst/>
+          </a:prstGeom>
+          <a:noFill/>
+          <a:ln>
+            <a:solidFill>
+              <a:schemeClr val="tx2"/>
+            </a:solidFill>
+          </a:ln>
+        </p:spPr>
+        <p:style>
+          <a:lnRef idx="2">
+            <a:schemeClr val="accent3">
+              <a:shade val="50000"/>
+            </a:schemeClr>
+          </a:lnRef>
+          <a:fillRef idx="1">
+            <a:schemeClr val="accent3"/>
+          </a:fillRef>
+          <a:effectRef idx="0">
+            <a:schemeClr val="accent3"/>
+          </a:effectRef>
+          <a:fontRef idx="minor">
+            <a:schemeClr val="lt1"/>
+          </a:fontRef>
+        </p:style>
+        <p:txBody>
+          <a:bodyPr rtlCol="0" anchor="ctr"/>
+          <a:lstStyle/>
+          <a:p>
+            <a:pPr algn="ctr"/>
+            <a:r>
+              <a:rPr lang="de-DE" sz="900" dirty="0">
+                <a:solidFill>
+                  <a:schemeClr val="tx1"/>
+                </a:solidFill>
+                <a:latin typeface="Aldrich" panose="02000000000000000000" pitchFamily="2" charset="0"/>
+                <a:cs typeface="Athiti Medium" panose="00000600000000000000" pitchFamily="2" charset="-34"/>
+              </a:rPr>
+              <a:t>STABLE</a:t>
+            </a:r>
+          </a:p>
+          <a:p>
+            <a:pPr algn="ctr"/>
+            <a:r>
+              <a:rPr lang="de-DE" sz="900" dirty="0">
+                <a:solidFill>
+                  <a:schemeClr val="tx1"/>
+                </a:solidFill>
+                <a:latin typeface="Aldrich" panose="02000000000000000000" pitchFamily="2" charset="0"/>
+                <a:cs typeface="Athiti Medium" panose="00000600000000000000" pitchFamily="2" charset="-34"/>
+              </a:rPr>
+              <a:t>COIN</a:t>
+            </a:r>
+          </a:p>
+        </p:txBody>
+      </p:sp>
+      <p:sp>
+        <p:nvSpPr>
+          <p:cNvPr id="7" name="Rechteck 6">
+            <a:extLst>
+              <a:ext uri="{FF2B5EF4-FFF2-40B4-BE49-F238E27FC236}">
+                <a16:creationId xmlns:a16="http://schemas.microsoft.com/office/drawing/2014/main" id="{4AFBDEEA-4913-4B14-265C-D99B06E4CC69}"/>
+              </a:ext>
+            </a:extLst>
+          </p:cNvPr>
+          <p:cNvSpPr/>
+          <p:nvPr/>
+        </p:nvSpPr>
+        <p:spPr>
+          <a:xfrm>
+            <a:off x="6926163" y="3566994"/>
+            <a:ext cx="783727" cy="334253"/>
+          </a:xfrm>
+          <a:prstGeom prst="rect">
+            <a:avLst/>
+          </a:prstGeom>
+          <a:noFill/>
+          <a:ln>
+            <a:solidFill>
+              <a:schemeClr val="tx2"/>
+            </a:solidFill>
+          </a:ln>
+        </p:spPr>
+        <p:style>
+          <a:lnRef idx="2">
+            <a:schemeClr val="accent3">
+              <a:shade val="50000"/>
+            </a:schemeClr>
+          </a:lnRef>
+          <a:fillRef idx="1">
+            <a:schemeClr val="accent3"/>
+          </a:fillRef>
+          <a:effectRef idx="0">
+            <a:schemeClr val="accent3"/>
+          </a:effectRef>
+          <a:fontRef idx="minor">
+            <a:schemeClr val="lt1"/>
+          </a:fontRef>
+        </p:style>
+        <p:txBody>
+          <a:bodyPr rtlCol="0" anchor="ctr"/>
+          <a:lstStyle/>
+          <a:p>
+            <a:pPr algn="ctr"/>
+            <a:r>
+              <a:rPr lang="de-DE" sz="900" dirty="0">
+                <a:solidFill>
+                  <a:schemeClr val="tx1"/>
+                </a:solidFill>
+                <a:latin typeface="Aldrich" panose="02000000000000000000" pitchFamily="2" charset="0"/>
+                <a:cs typeface="Athiti Medium" panose="00000600000000000000" pitchFamily="2" charset="-34"/>
+              </a:rPr>
+              <a:t>CASH FLOW</a:t>
+            </a:r>
+          </a:p>
+        </p:txBody>
+      </p:sp>
+      <p:sp>
+        <p:nvSpPr>
+          <p:cNvPr id="8" name="Rechteck 7">
+            <a:extLst>
+              <a:ext uri="{FF2B5EF4-FFF2-40B4-BE49-F238E27FC236}">
+                <a16:creationId xmlns:a16="http://schemas.microsoft.com/office/drawing/2014/main" id="{BD7A6EA1-BD5E-6D1B-FB86-180F29C19425}"/>
+              </a:ext>
+            </a:extLst>
+          </p:cNvPr>
+          <p:cNvSpPr/>
+          <p:nvPr/>
+        </p:nvSpPr>
+        <p:spPr>
+          <a:xfrm>
+            <a:off x="5227737" y="3960746"/>
+            <a:ext cx="783727" cy="334253"/>
+          </a:xfrm>
+          <a:prstGeom prst="rect">
+            <a:avLst/>
+          </a:prstGeom>
+          <a:noFill/>
+          <a:ln>
+            <a:solidFill>
+              <a:schemeClr val="tx2"/>
+            </a:solidFill>
+          </a:ln>
+        </p:spPr>
+        <p:style>
+          <a:lnRef idx="2">
+            <a:schemeClr val="accent3">
+              <a:shade val="50000"/>
+            </a:schemeClr>
+          </a:lnRef>
+          <a:fillRef idx="1">
+            <a:schemeClr val="accent3"/>
+          </a:fillRef>
+          <a:effectRef idx="0">
+            <a:schemeClr val="accent3"/>
+          </a:effectRef>
+          <a:fontRef idx="minor">
+            <a:schemeClr val="lt1"/>
+          </a:fontRef>
+        </p:style>
+        <p:txBody>
+          <a:bodyPr rtlCol="0" anchor="ctr"/>
+          <a:lstStyle/>
+          <a:p>
+            <a:pPr algn="ctr"/>
+            <a:r>
+              <a:rPr lang="de-DE" sz="900" dirty="0">
+                <a:solidFill>
+                  <a:schemeClr val="tx1"/>
+                </a:solidFill>
+                <a:latin typeface="Aldrich" panose="02000000000000000000" pitchFamily="2" charset="0"/>
+                <a:cs typeface="Athiti Medium" panose="00000600000000000000" pitchFamily="2" charset="-34"/>
+              </a:rPr>
+              <a:t>DEFI</a:t>
+            </a:r>
+          </a:p>
+        </p:txBody>
+      </p:sp>
+      <p:sp>
+        <p:nvSpPr>
+          <p:cNvPr id="9" name="Rechteck 8">
+            <a:extLst>
+              <a:ext uri="{FF2B5EF4-FFF2-40B4-BE49-F238E27FC236}">
+                <a16:creationId xmlns:a16="http://schemas.microsoft.com/office/drawing/2014/main" id="{E1154F48-9487-CA84-E262-4D034FAFAC66}"/>
+              </a:ext>
+            </a:extLst>
+          </p:cNvPr>
+          <p:cNvSpPr/>
+          <p:nvPr/>
+        </p:nvSpPr>
+        <p:spPr>
+          <a:xfrm>
+            <a:off x="6076949" y="3958397"/>
+            <a:ext cx="783727" cy="334253"/>
+          </a:xfrm>
+          <a:prstGeom prst="rect">
+            <a:avLst/>
+          </a:prstGeom>
+          <a:noFill/>
+          <a:ln>
+            <a:solidFill>
+              <a:schemeClr val="tx2"/>
+            </a:solidFill>
+          </a:ln>
+        </p:spPr>
+        <p:style>
+          <a:lnRef idx="2">
+            <a:schemeClr val="accent3">
+              <a:shade val="50000"/>
+            </a:schemeClr>
+          </a:lnRef>
+          <a:fillRef idx="1">
+            <a:schemeClr val="accent3"/>
+          </a:fillRef>
+          <a:effectRef idx="0">
+            <a:schemeClr val="accent3"/>
+          </a:effectRef>
+          <a:fontRef idx="minor">
+            <a:schemeClr val="lt1"/>
+          </a:fontRef>
+        </p:style>
+        <p:txBody>
+          <a:bodyPr rtlCol="0" anchor="ctr"/>
+          <a:lstStyle/>
+          <a:p>
+            <a:pPr algn="ctr"/>
+            <a:r>
+              <a:rPr lang="de-DE" sz="900" dirty="0">
+                <a:solidFill>
+                  <a:schemeClr val="tx1"/>
+                </a:solidFill>
+                <a:latin typeface="Aldrich" panose="02000000000000000000" pitchFamily="2" charset="0"/>
+                <a:cs typeface="Athiti Medium" panose="00000600000000000000" pitchFamily="2" charset="-34"/>
+              </a:rPr>
+              <a:t>ESTATES</a:t>
+            </a:r>
+          </a:p>
+        </p:txBody>
+      </p:sp>
+      <p:sp>
+        <p:nvSpPr>
+          <p:cNvPr id="10" name="Rechteck 9">
+            <a:extLst>
+              <a:ext uri="{FF2B5EF4-FFF2-40B4-BE49-F238E27FC236}">
+                <a16:creationId xmlns:a16="http://schemas.microsoft.com/office/drawing/2014/main" id="{2700C5BE-5585-332D-5992-07E013DEFD8E}"/>
+              </a:ext>
+            </a:extLst>
+          </p:cNvPr>
+          <p:cNvSpPr/>
+          <p:nvPr/>
+        </p:nvSpPr>
+        <p:spPr>
+          <a:xfrm>
+            <a:off x="6926163" y="3958397"/>
+            <a:ext cx="783727" cy="334253"/>
+          </a:xfrm>
+          <a:prstGeom prst="rect">
+            <a:avLst/>
+          </a:prstGeom>
+          <a:noFill/>
+          <a:ln>
+            <a:solidFill>
+              <a:schemeClr val="tx2"/>
+            </a:solidFill>
+          </a:ln>
+        </p:spPr>
+        <p:style>
+          <a:lnRef idx="2">
+            <a:schemeClr val="accent3">
+              <a:shade val="50000"/>
+            </a:schemeClr>
+          </a:lnRef>
+          <a:fillRef idx="1">
+            <a:schemeClr val="accent3"/>
+          </a:fillRef>
+          <a:effectRef idx="0">
+            <a:schemeClr val="accent3"/>
+          </a:effectRef>
+          <a:fontRef idx="minor">
+            <a:schemeClr val="lt1"/>
+          </a:fontRef>
+        </p:style>
+        <p:txBody>
+          <a:bodyPr rtlCol="0" anchor="ctr"/>
+          <a:lstStyle/>
+          <a:p>
+            <a:pPr algn="ctr"/>
+            <a:r>
+              <a:rPr lang="de-DE" sz="900" dirty="0">
+                <a:solidFill>
+                  <a:schemeClr val="tx1"/>
+                </a:solidFill>
+                <a:latin typeface="Aldrich" panose="02000000000000000000" pitchFamily="2" charset="0"/>
+                <a:cs typeface="Athiti Medium" panose="00000600000000000000" pitchFamily="2" charset="-34"/>
+              </a:rPr>
+              <a:t>STOCK</a:t>
+            </a:r>
+          </a:p>
+        </p:txBody>
+      </p:sp>
+      <p:sp>
+        <p:nvSpPr>
+          <p:cNvPr id="12" name="Rechteck 11">
+            <a:extLst>
+              <a:ext uri="{FF2B5EF4-FFF2-40B4-BE49-F238E27FC236}">
+                <a16:creationId xmlns:a16="http://schemas.microsoft.com/office/drawing/2014/main" id="{758436C8-6EA4-E921-4221-8B1844995541}"/>
+              </a:ext>
+            </a:extLst>
+          </p:cNvPr>
+          <p:cNvSpPr/>
+          <p:nvPr/>
+        </p:nvSpPr>
+        <p:spPr>
+          <a:xfrm>
+            <a:off x="4580880" y="680103"/>
+            <a:ext cx="1293713" cy="673096"/>
+          </a:xfrm>
+          <a:prstGeom prst="rect">
+            <a:avLst/>
+          </a:prstGeom>
+          <a:noFill/>
+          <a:ln>
+            <a:gradFill>
+              <a:gsLst>
+                <a:gs pos="0">
+                  <a:schemeClr val="accent5"/>
+                </a:gs>
+                <a:gs pos="100000">
+                  <a:schemeClr val="accent4"/>
+                </a:gs>
+              </a:gsLst>
+              <a:lin ang="0" scaled="0"/>
+            </a:gradFill>
+          </a:ln>
+        </p:spPr>
+        <p:style>
+          <a:lnRef idx="2">
+            <a:schemeClr val="accent3">
+              <a:shade val="50000"/>
+            </a:schemeClr>
+          </a:lnRef>
+          <a:fillRef idx="1">
+            <a:schemeClr val="accent3"/>
+          </a:fillRef>
+          <a:effectRef idx="0">
+            <a:schemeClr val="accent3"/>
+          </a:effectRef>
+          <a:fontRef idx="minor">
+            <a:schemeClr val="lt1"/>
+          </a:fontRef>
+        </p:style>
+        <p:txBody>
+          <a:bodyPr rtlCol="0" anchor="ctr"/>
+          <a:lstStyle/>
+          <a:p>
+            <a:pPr algn="ctr"/>
+            <a:r>
+              <a:rPr lang="de-DE" sz="1400" dirty="0">
+                <a:solidFill>
+                  <a:schemeClr val="tx1"/>
+                </a:solidFill>
+                <a:latin typeface="Aldrich" panose="02000000000000000000" pitchFamily="2" charset="0"/>
+                <a:cs typeface="Athiti Medium" panose="00000600000000000000" pitchFamily="2" charset="-34"/>
+              </a:rPr>
+              <a:t>OSMOSIS</a:t>
+            </a:r>
+          </a:p>
+        </p:txBody>
+      </p:sp>
+      <p:sp>
+        <p:nvSpPr>
+          <p:cNvPr id="14" name="Rechteck 13">
+            <a:extLst>
+              <a:ext uri="{FF2B5EF4-FFF2-40B4-BE49-F238E27FC236}">
+                <a16:creationId xmlns:a16="http://schemas.microsoft.com/office/drawing/2014/main" id="{AA6F4654-C30F-763B-A429-A7D0359929E9}"/>
+              </a:ext>
+            </a:extLst>
+          </p:cNvPr>
+          <p:cNvSpPr/>
+          <p:nvPr/>
+        </p:nvSpPr>
+        <p:spPr>
+          <a:xfrm>
+            <a:off x="7063033" y="680103"/>
+            <a:ext cx="1293713" cy="673096"/>
+          </a:xfrm>
+          <a:prstGeom prst="rect">
+            <a:avLst/>
+          </a:prstGeom>
+          <a:noFill/>
+          <a:ln>
+            <a:gradFill>
+              <a:gsLst>
+                <a:gs pos="0">
+                  <a:schemeClr val="accent5"/>
+                </a:gs>
+                <a:gs pos="100000">
+                  <a:schemeClr val="accent4"/>
+                </a:gs>
+              </a:gsLst>
+              <a:lin ang="0" scaled="0"/>
+            </a:gradFill>
+          </a:ln>
+        </p:spPr>
+        <p:style>
+          <a:lnRef idx="2">
+            <a:schemeClr val="accent3">
+              <a:shade val="50000"/>
+            </a:schemeClr>
+          </a:lnRef>
+          <a:fillRef idx="1">
+            <a:schemeClr val="accent3"/>
+          </a:fillRef>
+          <a:effectRef idx="0">
+            <a:schemeClr val="accent3"/>
+          </a:effectRef>
+          <a:fontRef idx="minor">
+            <a:schemeClr val="lt1"/>
+          </a:fontRef>
+        </p:style>
+        <p:txBody>
+          <a:bodyPr rtlCol="0" anchor="ctr"/>
+          <a:lstStyle/>
+          <a:p>
+            <a:pPr algn="ctr"/>
+            <a:r>
+              <a:rPr lang="de-DE" sz="1400" dirty="0">
+                <a:solidFill>
+                  <a:schemeClr val="tx1"/>
+                </a:solidFill>
+                <a:latin typeface="Aldrich" panose="02000000000000000000" pitchFamily="2" charset="0"/>
+                <a:cs typeface="Athiti Medium" panose="00000600000000000000" pitchFamily="2" charset="-34"/>
+              </a:rPr>
+              <a:t>JUNO</a:t>
+            </a:r>
+          </a:p>
+        </p:txBody>
+      </p:sp>
+      <p:sp>
+        <p:nvSpPr>
+          <p:cNvPr id="15" name="Rechteck 14">
+            <a:extLst>
+              <a:ext uri="{FF2B5EF4-FFF2-40B4-BE49-F238E27FC236}">
+                <a16:creationId xmlns:a16="http://schemas.microsoft.com/office/drawing/2014/main" id="{D408E792-ABF3-4F2D-C86D-438051364797}"/>
+              </a:ext>
+            </a:extLst>
+          </p:cNvPr>
+          <p:cNvSpPr/>
+          <p:nvPr/>
+        </p:nvSpPr>
+        <p:spPr>
+          <a:xfrm>
+            <a:off x="9136953" y="2163656"/>
+            <a:ext cx="1293713" cy="673096"/>
+          </a:xfrm>
+          <a:prstGeom prst="rect">
+            <a:avLst/>
+          </a:prstGeom>
+          <a:noFill/>
+          <a:ln>
+            <a:gradFill>
+              <a:gsLst>
+                <a:gs pos="0">
+                  <a:schemeClr val="accent5"/>
+                </a:gs>
+                <a:gs pos="100000">
+                  <a:schemeClr val="accent4"/>
+                </a:gs>
+              </a:gsLst>
+              <a:lin ang="0" scaled="0"/>
+            </a:gradFill>
+          </a:ln>
+        </p:spPr>
+        <p:style>
+          <a:lnRef idx="2">
+            <a:schemeClr val="accent3">
+              <a:shade val="50000"/>
+            </a:schemeClr>
+          </a:lnRef>
+          <a:fillRef idx="1">
+            <a:schemeClr val="accent3"/>
+          </a:fillRef>
+          <a:effectRef idx="0">
+            <a:schemeClr val="accent3"/>
+          </a:effectRef>
+          <a:fontRef idx="minor">
+            <a:schemeClr val="lt1"/>
+          </a:fontRef>
+        </p:style>
+        <p:txBody>
+          <a:bodyPr rtlCol="0" anchor="ctr"/>
+          <a:lstStyle/>
+          <a:p>
+            <a:pPr algn="ctr"/>
+            <a:r>
+              <a:rPr lang="de-DE" sz="1400" dirty="0">
+                <a:solidFill>
+                  <a:schemeClr val="tx1"/>
+                </a:solidFill>
+                <a:latin typeface="Aldrich" panose="02000000000000000000" pitchFamily="2" charset="0"/>
+                <a:cs typeface="Athiti Medium" panose="00000600000000000000" pitchFamily="2" charset="-34"/>
+              </a:rPr>
+              <a:t>SECRET</a:t>
+            </a:r>
+          </a:p>
+        </p:txBody>
+      </p:sp>
+      <p:sp>
+        <p:nvSpPr>
+          <p:cNvPr id="17" name="Rechteck 16">
+            <a:extLst>
+              <a:ext uri="{FF2B5EF4-FFF2-40B4-BE49-F238E27FC236}">
+                <a16:creationId xmlns:a16="http://schemas.microsoft.com/office/drawing/2014/main" id="{66F2CFA3-8B35-6461-00F8-9415B15B5A52}"/>
+              </a:ext>
+            </a:extLst>
+          </p:cNvPr>
+          <p:cNvSpPr/>
+          <p:nvPr/>
+        </p:nvSpPr>
+        <p:spPr>
+          <a:xfrm>
+            <a:off x="9136953" y="4292650"/>
+            <a:ext cx="1293713" cy="673096"/>
+          </a:xfrm>
+          <a:prstGeom prst="rect">
+            <a:avLst/>
+          </a:prstGeom>
+          <a:noFill/>
+          <a:ln>
+            <a:gradFill>
+              <a:gsLst>
+                <a:gs pos="0">
+                  <a:schemeClr val="accent5"/>
+                </a:gs>
+                <a:gs pos="100000">
+                  <a:schemeClr val="accent4"/>
+                </a:gs>
+              </a:gsLst>
+              <a:lin ang="0" scaled="0"/>
+            </a:gradFill>
+          </a:ln>
+        </p:spPr>
+        <p:style>
+          <a:lnRef idx="2">
+            <a:schemeClr val="accent3">
+              <a:shade val="50000"/>
+            </a:schemeClr>
+          </a:lnRef>
+          <a:fillRef idx="1">
+            <a:schemeClr val="accent3"/>
+          </a:fillRef>
+          <a:effectRef idx="0">
+            <a:schemeClr val="accent3"/>
+          </a:effectRef>
+          <a:fontRef idx="minor">
+            <a:schemeClr val="lt1"/>
+          </a:fontRef>
+        </p:style>
+        <p:txBody>
+          <a:bodyPr rtlCol="0" anchor="ctr"/>
+          <a:lstStyle/>
+          <a:p>
+            <a:pPr algn="ctr"/>
+            <a:r>
+              <a:rPr lang="de-DE" sz="1400" dirty="0">
+                <a:solidFill>
+                  <a:schemeClr val="tx1"/>
+                </a:solidFill>
+                <a:latin typeface="Aldrich" panose="02000000000000000000" pitchFamily="2" charset="0"/>
+                <a:cs typeface="Athiti Medium" panose="00000600000000000000" pitchFamily="2" charset="-34"/>
+              </a:rPr>
+              <a:t>SEI</a:t>
+            </a:r>
+          </a:p>
+        </p:txBody>
+      </p:sp>
+      <p:sp>
+        <p:nvSpPr>
+          <p:cNvPr id="18" name="Rechteck 17">
+            <a:extLst>
+              <a:ext uri="{FF2B5EF4-FFF2-40B4-BE49-F238E27FC236}">
+                <a16:creationId xmlns:a16="http://schemas.microsoft.com/office/drawing/2014/main" id="{C886B353-04FC-9186-0F00-8B4D3DDE6CDC}"/>
+              </a:ext>
+            </a:extLst>
+          </p:cNvPr>
+          <p:cNvSpPr/>
+          <p:nvPr/>
+        </p:nvSpPr>
+        <p:spPr>
+          <a:xfrm>
+            <a:off x="7070373" y="5776848"/>
+            <a:ext cx="1293713" cy="673096"/>
+          </a:xfrm>
+          <a:prstGeom prst="rect">
+            <a:avLst/>
+          </a:prstGeom>
+          <a:noFill/>
+          <a:ln>
+            <a:gradFill>
+              <a:gsLst>
+                <a:gs pos="0">
+                  <a:schemeClr val="accent5"/>
+                </a:gs>
+                <a:gs pos="100000">
+                  <a:schemeClr val="accent4"/>
+                </a:gs>
+              </a:gsLst>
+              <a:lin ang="0" scaled="0"/>
+            </a:gradFill>
+          </a:ln>
+        </p:spPr>
+        <p:style>
+          <a:lnRef idx="2">
+            <a:schemeClr val="accent3">
+              <a:shade val="50000"/>
+            </a:schemeClr>
+          </a:lnRef>
+          <a:fillRef idx="1">
+            <a:schemeClr val="accent3"/>
+          </a:fillRef>
+          <a:effectRef idx="0">
+            <a:schemeClr val="accent3"/>
+          </a:effectRef>
+          <a:fontRef idx="minor">
+            <a:schemeClr val="lt1"/>
+          </a:fontRef>
+        </p:style>
+        <p:txBody>
+          <a:bodyPr rtlCol="0" anchor="ctr"/>
+          <a:lstStyle/>
+          <a:p>
+            <a:pPr algn="ctr"/>
+            <a:r>
+              <a:rPr lang="de-DE" sz="1400" dirty="0">
+                <a:solidFill>
+                  <a:schemeClr val="tx1"/>
+                </a:solidFill>
+                <a:latin typeface="Aldrich" panose="02000000000000000000" pitchFamily="2" charset="0"/>
+                <a:cs typeface="Athiti Medium" panose="00000600000000000000" pitchFamily="2" charset="-34"/>
+              </a:rPr>
+              <a:t>*</a:t>
+            </a:r>
+          </a:p>
+        </p:txBody>
+      </p:sp>
+      <p:sp>
+        <p:nvSpPr>
+          <p:cNvPr id="21" name="Rechteck 20">
+            <a:extLst>
+              <a:ext uri="{FF2B5EF4-FFF2-40B4-BE49-F238E27FC236}">
+                <a16:creationId xmlns:a16="http://schemas.microsoft.com/office/drawing/2014/main" id="{068889ED-E3CA-7B1C-D7F3-B19DAD5C0CD0}"/>
+              </a:ext>
+            </a:extLst>
+          </p:cNvPr>
+          <p:cNvSpPr/>
+          <p:nvPr/>
+        </p:nvSpPr>
+        <p:spPr>
+          <a:xfrm>
+            <a:off x="4580880" y="5776848"/>
+            <a:ext cx="1293713" cy="673096"/>
+          </a:xfrm>
+          <a:prstGeom prst="rect">
+            <a:avLst/>
+          </a:prstGeom>
+          <a:noFill/>
+          <a:ln>
+            <a:gradFill>
+              <a:gsLst>
+                <a:gs pos="0">
+                  <a:schemeClr val="accent5"/>
+                </a:gs>
+                <a:gs pos="100000">
+                  <a:schemeClr val="accent4"/>
+                </a:gs>
+              </a:gsLst>
+              <a:lin ang="0" scaled="0"/>
+            </a:gradFill>
+          </a:ln>
+        </p:spPr>
+        <p:style>
+          <a:lnRef idx="2">
+            <a:schemeClr val="accent3">
+              <a:shade val="50000"/>
+            </a:schemeClr>
+          </a:lnRef>
+          <a:fillRef idx="1">
+            <a:schemeClr val="accent3"/>
+          </a:fillRef>
+          <a:effectRef idx="0">
+            <a:schemeClr val="accent3"/>
+          </a:effectRef>
+          <a:fontRef idx="minor">
+            <a:schemeClr val="lt1"/>
+          </a:fontRef>
+        </p:style>
+        <p:txBody>
+          <a:bodyPr rtlCol="0" anchor="ctr"/>
+          <a:lstStyle/>
+          <a:p>
+            <a:pPr algn="ctr"/>
+            <a:r>
+              <a:rPr lang="de-DE" sz="1400" dirty="0">
+                <a:solidFill>
+                  <a:schemeClr val="tx1"/>
+                </a:solidFill>
+                <a:latin typeface="Aldrich" panose="02000000000000000000" pitchFamily="2" charset="0"/>
+                <a:cs typeface="Athiti Medium" panose="00000600000000000000" pitchFamily="2" charset="-34"/>
+              </a:rPr>
+              <a:t>EVMOS</a:t>
+            </a:r>
+          </a:p>
+        </p:txBody>
+      </p:sp>
+      <p:sp>
+        <p:nvSpPr>
+          <p:cNvPr id="22" name="Rechteck 21">
+            <a:extLst>
+              <a:ext uri="{FF2B5EF4-FFF2-40B4-BE49-F238E27FC236}">
+                <a16:creationId xmlns:a16="http://schemas.microsoft.com/office/drawing/2014/main" id="{4B897FA3-2BDC-B69F-66CF-7AC94738038C}"/>
+              </a:ext>
+            </a:extLst>
+          </p:cNvPr>
+          <p:cNvSpPr/>
+          <p:nvPr/>
+        </p:nvSpPr>
+        <p:spPr>
+          <a:xfrm>
+            <a:off x="5149549" y="2777254"/>
+            <a:ext cx="2629201" cy="1585195"/>
+          </a:xfrm>
+          <a:prstGeom prst="rect">
+            <a:avLst/>
+          </a:prstGeom>
+          <a:noFill/>
+          <a:ln>
+            <a:gradFill>
+              <a:gsLst>
+                <a:gs pos="0">
+                  <a:schemeClr val="accent5"/>
+                </a:gs>
+                <a:gs pos="100000">
+                  <a:schemeClr val="accent4"/>
+                </a:gs>
+              </a:gsLst>
+              <a:lin ang="0" scaled="0"/>
+            </a:gradFill>
+          </a:ln>
+        </p:spPr>
+        <p:style>
+          <a:lnRef idx="2">
+            <a:schemeClr val="accent3">
+              <a:shade val="50000"/>
+            </a:schemeClr>
+          </a:lnRef>
+          <a:fillRef idx="1">
+            <a:schemeClr val="accent3"/>
+          </a:fillRef>
+          <a:effectRef idx="0">
+            <a:schemeClr val="accent3"/>
+          </a:effectRef>
+          <a:fontRef idx="minor">
+            <a:schemeClr val="lt1"/>
+          </a:fontRef>
+        </p:style>
+        <p:txBody>
+          <a:bodyPr rtlCol="0" anchor="ctr"/>
+          <a:lstStyle/>
+          <a:p>
+            <a:pPr algn="ctr"/>
+            <a:endParaRPr lang="de-DE" sz="1400" dirty="0">
+              <a:solidFill>
+                <a:schemeClr val="tx1"/>
+              </a:solidFill>
+              <a:latin typeface="Aldrich" panose="02000000000000000000" pitchFamily="2" charset="0"/>
+              <a:cs typeface="Athiti Medium" panose="00000600000000000000" pitchFamily="2" charset="-34"/>
+            </a:endParaRPr>
+          </a:p>
+        </p:txBody>
+      </p:sp>
+      <p:sp>
+        <p:nvSpPr>
+          <p:cNvPr id="24" name="Rechteck 23">
+            <a:extLst>
+              <a:ext uri="{FF2B5EF4-FFF2-40B4-BE49-F238E27FC236}">
+                <a16:creationId xmlns:a16="http://schemas.microsoft.com/office/drawing/2014/main" id="{C7B7C7B8-0896-5AFA-F46B-188FBBC82058}"/>
+              </a:ext>
+            </a:extLst>
+          </p:cNvPr>
+          <p:cNvSpPr/>
+          <p:nvPr/>
+        </p:nvSpPr>
+        <p:spPr>
+          <a:xfrm>
+            <a:off x="2497633" y="4292650"/>
+            <a:ext cx="1293713" cy="673096"/>
+          </a:xfrm>
+          <a:prstGeom prst="rect">
+            <a:avLst/>
+          </a:prstGeom>
+          <a:noFill/>
+          <a:ln>
+            <a:gradFill>
+              <a:gsLst>
+                <a:gs pos="0">
+                  <a:schemeClr val="accent5"/>
+                </a:gs>
+                <a:gs pos="100000">
+                  <a:schemeClr val="accent4"/>
+                </a:gs>
+              </a:gsLst>
+              <a:lin ang="0" scaled="0"/>
+            </a:gradFill>
+          </a:ln>
+        </p:spPr>
+        <p:style>
+          <a:lnRef idx="2">
+            <a:schemeClr val="accent3">
+              <a:shade val="50000"/>
+            </a:schemeClr>
+          </a:lnRef>
+          <a:fillRef idx="1">
+            <a:schemeClr val="accent3"/>
+          </a:fillRef>
+          <a:effectRef idx="0">
+            <a:schemeClr val="accent3"/>
+          </a:effectRef>
+          <a:fontRef idx="minor">
+            <a:schemeClr val="lt1"/>
+          </a:fontRef>
+        </p:style>
+        <p:txBody>
+          <a:bodyPr rtlCol="0" anchor="ctr"/>
+          <a:lstStyle/>
+          <a:p>
+            <a:pPr algn="ctr"/>
+            <a:r>
+              <a:rPr lang="de-DE" sz="1400" dirty="0">
+                <a:solidFill>
+                  <a:schemeClr val="tx1"/>
+                </a:solidFill>
+                <a:latin typeface="Aldrich" panose="02000000000000000000" pitchFamily="2" charset="0"/>
+                <a:cs typeface="Athiti Medium" panose="00000600000000000000" pitchFamily="2" charset="-34"/>
+              </a:rPr>
+              <a:t>COSMOS HUB</a:t>
+            </a:r>
+          </a:p>
+        </p:txBody>
+      </p:sp>
+      <p:cxnSp>
+        <p:nvCxnSpPr>
+          <p:cNvPr id="26" name="Gerader Verbinder 25">
+            <a:extLst>
+              <a:ext uri="{FF2B5EF4-FFF2-40B4-BE49-F238E27FC236}">
+                <a16:creationId xmlns:a16="http://schemas.microsoft.com/office/drawing/2014/main" id="{D8AAE21F-92BF-8029-DBFA-F8A41B30A1E1}"/>
+              </a:ext>
+            </a:extLst>
+          </p:cNvPr>
+          <p:cNvCxnSpPr>
+            <a:stCxn id="21" idx="0"/>
+          </p:cNvCxnSpPr>
+          <p:nvPr/>
+        </p:nvCxnSpPr>
+        <p:spPr>
+          <a:xfrm flipV="1">
+            <a:off x="5227737" y="4362449"/>
+            <a:ext cx="783727" cy="1414399"/>
+          </a:xfrm>
+          <a:prstGeom prst="line">
+            <a:avLst/>
+          </a:prstGeom>
+          <a:ln>
+            <a:solidFill>
+              <a:schemeClr val="tx2"/>
+            </a:solidFill>
+          </a:ln>
+        </p:spPr>
+        <p:style>
+          <a:lnRef idx="1">
+            <a:schemeClr val="accent1"/>
+          </a:lnRef>
+          <a:fillRef idx="0">
+            <a:schemeClr val="accent1"/>
+          </a:fillRef>
+          <a:effectRef idx="0">
+            <a:schemeClr val="accent1"/>
+          </a:effectRef>
+          <a:fontRef idx="minor">
+            <a:schemeClr val="tx1"/>
+          </a:fontRef>
+        </p:style>
+      </p:cxnSp>
+      <p:cxnSp>
+        <p:nvCxnSpPr>
+          <p:cNvPr id="27" name="Gerader Verbinder 26">
+            <a:extLst>
+              <a:ext uri="{FF2B5EF4-FFF2-40B4-BE49-F238E27FC236}">
+                <a16:creationId xmlns:a16="http://schemas.microsoft.com/office/drawing/2014/main" id="{BBD74C92-1D96-E353-2792-33A5681D94BE}"/>
+              </a:ext>
+            </a:extLst>
+          </p:cNvPr>
+          <p:cNvCxnSpPr>
+            <a:cxnSpLocks/>
+            <a:stCxn id="18" idx="0"/>
+          </p:cNvCxnSpPr>
+          <p:nvPr/>
+        </p:nvCxnSpPr>
+        <p:spPr>
+          <a:xfrm flipH="1" flipV="1">
+            <a:off x="6926163" y="4360100"/>
+            <a:ext cx="791067" cy="1416748"/>
+          </a:xfrm>
+          <a:prstGeom prst="line">
+            <a:avLst/>
+          </a:prstGeom>
+          <a:ln>
+            <a:solidFill>
+              <a:schemeClr val="tx2"/>
+            </a:solidFill>
+          </a:ln>
+        </p:spPr>
+        <p:style>
+          <a:lnRef idx="1">
+            <a:schemeClr val="accent1"/>
+          </a:lnRef>
+          <a:fillRef idx="0">
+            <a:schemeClr val="accent1"/>
+          </a:fillRef>
+          <a:effectRef idx="0">
+            <a:schemeClr val="accent1"/>
+          </a:effectRef>
+          <a:fontRef idx="minor">
+            <a:schemeClr val="tx1"/>
+          </a:fontRef>
+        </p:style>
+      </p:cxnSp>
+      <p:cxnSp>
+        <p:nvCxnSpPr>
+          <p:cNvPr id="30" name="Gerader Verbinder 29">
+            <a:extLst>
+              <a:ext uri="{FF2B5EF4-FFF2-40B4-BE49-F238E27FC236}">
+                <a16:creationId xmlns:a16="http://schemas.microsoft.com/office/drawing/2014/main" id="{E136523F-D3E9-8EEB-E865-284CF03087A6}"/>
+              </a:ext>
+            </a:extLst>
+          </p:cNvPr>
+          <p:cNvCxnSpPr>
+            <a:cxnSpLocks/>
+            <a:stCxn id="24" idx="3"/>
+          </p:cNvCxnSpPr>
+          <p:nvPr/>
+        </p:nvCxnSpPr>
+        <p:spPr>
+          <a:xfrm flipV="1">
+            <a:off x="3791346" y="3968698"/>
+            <a:ext cx="1358203" cy="660500"/>
+          </a:xfrm>
+          <a:prstGeom prst="line">
+            <a:avLst/>
+          </a:prstGeom>
+          <a:ln>
+            <a:solidFill>
+              <a:schemeClr val="tx2"/>
+            </a:solidFill>
+          </a:ln>
+        </p:spPr>
+        <p:style>
+          <a:lnRef idx="1">
+            <a:schemeClr val="accent1"/>
+          </a:lnRef>
+          <a:fillRef idx="0">
+            <a:schemeClr val="accent1"/>
+          </a:fillRef>
+          <a:effectRef idx="0">
+            <a:schemeClr val="accent1"/>
+          </a:effectRef>
+          <a:fontRef idx="minor">
+            <a:schemeClr val="tx1"/>
+          </a:fontRef>
+        </p:style>
+      </p:cxnSp>
+      <p:cxnSp>
+        <p:nvCxnSpPr>
+          <p:cNvPr id="33" name="Gerader Verbinder 32">
+            <a:extLst>
+              <a:ext uri="{FF2B5EF4-FFF2-40B4-BE49-F238E27FC236}">
+                <a16:creationId xmlns:a16="http://schemas.microsoft.com/office/drawing/2014/main" id="{20D58EFF-41B8-3F0E-FDEF-E9853CB97E15}"/>
+              </a:ext>
+            </a:extLst>
+          </p:cNvPr>
+          <p:cNvCxnSpPr>
+            <a:cxnSpLocks/>
+            <a:stCxn id="17" idx="1"/>
+          </p:cNvCxnSpPr>
+          <p:nvPr/>
+        </p:nvCxnSpPr>
+        <p:spPr>
+          <a:xfrm flipH="1" flipV="1">
+            <a:off x="7778750" y="3958395"/>
+            <a:ext cx="1358203" cy="670803"/>
+          </a:xfrm>
+          <a:prstGeom prst="line">
+            <a:avLst/>
+          </a:prstGeom>
+          <a:ln>
+            <a:solidFill>
+              <a:schemeClr val="tx2"/>
+            </a:solidFill>
+          </a:ln>
+        </p:spPr>
+        <p:style>
+          <a:lnRef idx="1">
+            <a:schemeClr val="accent1"/>
+          </a:lnRef>
+          <a:fillRef idx="0">
+            <a:schemeClr val="accent1"/>
+          </a:fillRef>
+          <a:effectRef idx="0">
+            <a:schemeClr val="accent1"/>
+          </a:effectRef>
+          <a:fontRef idx="minor">
+            <a:schemeClr val="tx1"/>
+          </a:fontRef>
+        </p:style>
+      </p:cxnSp>
+      <p:cxnSp>
+        <p:nvCxnSpPr>
+          <p:cNvPr id="40" name="Gerader Verbinder 39">
+            <a:extLst>
+              <a:ext uri="{FF2B5EF4-FFF2-40B4-BE49-F238E27FC236}">
+                <a16:creationId xmlns:a16="http://schemas.microsoft.com/office/drawing/2014/main" id="{324A5C10-FF44-349E-CD4E-6DE29DCAE096}"/>
+              </a:ext>
+            </a:extLst>
+          </p:cNvPr>
+          <p:cNvCxnSpPr>
+            <a:cxnSpLocks/>
+            <a:stCxn id="3" idx="3"/>
+          </p:cNvCxnSpPr>
+          <p:nvPr/>
+        </p:nvCxnSpPr>
+        <p:spPr>
+          <a:xfrm>
+            <a:off x="3794324" y="2500204"/>
+            <a:ext cx="1355225" cy="820023"/>
+          </a:xfrm>
+          <a:prstGeom prst="line">
+            <a:avLst/>
+          </a:prstGeom>
+          <a:ln>
+            <a:solidFill>
+              <a:schemeClr val="tx2"/>
+            </a:solidFill>
+          </a:ln>
+        </p:spPr>
+        <p:style>
+          <a:lnRef idx="1">
+            <a:schemeClr val="accent1"/>
+          </a:lnRef>
+          <a:fillRef idx="0">
+            <a:schemeClr val="accent1"/>
+          </a:fillRef>
+          <a:effectRef idx="0">
+            <a:schemeClr val="accent1"/>
+          </a:effectRef>
+          <a:fontRef idx="minor">
+            <a:schemeClr val="tx1"/>
+          </a:fontRef>
+        </p:style>
+      </p:cxnSp>
+      <p:cxnSp>
+        <p:nvCxnSpPr>
+          <p:cNvPr id="43" name="Gerader Verbinder 42">
+            <a:extLst>
+              <a:ext uri="{FF2B5EF4-FFF2-40B4-BE49-F238E27FC236}">
+                <a16:creationId xmlns:a16="http://schemas.microsoft.com/office/drawing/2014/main" id="{6C960BC2-73FB-A063-E3C1-59D84B99EE24}"/>
+              </a:ext>
+            </a:extLst>
+          </p:cNvPr>
+          <p:cNvCxnSpPr>
+            <a:cxnSpLocks/>
+            <a:stCxn id="15" idx="1"/>
+          </p:cNvCxnSpPr>
+          <p:nvPr/>
+        </p:nvCxnSpPr>
+        <p:spPr>
+          <a:xfrm flipH="1">
+            <a:off x="7778750" y="2500204"/>
+            <a:ext cx="1358203" cy="843193"/>
+          </a:xfrm>
+          <a:prstGeom prst="line">
+            <a:avLst/>
+          </a:prstGeom>
+          <a:ln>
+            <a:solidFill>
+              <a:schemeClr val="tx2"/>
+            </a:solidFill>
+          </a:ln>
+        </p:spPr>
+        <p:style>
+          <a:lnRef idx="1">
+            <a:schemeClr val="accent1"/>
+          </a:lnRef>
+          <a:fillRef idx="0">
+            <a:schemeClr val="accent1"/>
+          </a:fillRef>
+          <a:effectRef idx="0">
+            <a:schemeClr val="accent1"/>
+          </a:effectRef>
+          <a:fontRef idx="minor">
+            <a:schemeClr val="tx1"/>
+          </a:fontRef>
+        </p:style>
+      </p:cxnSp>
+      <p:cxnSp>
+        <p:nvCxnSpPr>
+          <p:cNvPr id="51" name="Gerader Verbinder 50">
+            <a:extLst>
+              <a:ext uri="{FF2B5EF4-FFF2-40B4-BE49-F238E27FC236}">
+                <a16:creationId xmlns:a16="http://schemas.microsoft.com/office/drawing/2014/main" id="{342A5C5F-0EB6-9B18-204B-395C6846879F}"/>
+              </a:ext>
+            </a:extLst>
+          </p:cNvPr>
+          <p:cNvCxnSpPr>
+            <a:cxnSpLocks/>
+            <a:stCxn id="12" idx="2"/>
+          </p:cNvCxnSpPr>
+          <p:nvPr/>
+        </p:nvCxnSpPr>
+        <p:spPr>
+          <a:xfrm>
+            <a:off x="5227737" y="1353199"/>
+            <a:ext cx="783727" cy="1409308"/>
+          </a:xfrm>
+          <a:prstGeom prst="line">
+            <a:avLst/>
+          </a:prstGeom>
+          <a:ln>
+            <a:solidFill>
+              <a:schemeClr val="tx2"/>
+            </a:solidFill>
+          </a:ln>
+        </p:spPr>
+        <p:style>
+          <a:lnRef idx="1">
+            <a:schemeClr val="accent1"/>
+          </a:lnRef>
+          <a:fillRef idx="0">
+            <a:schemeClr val="accent1"/>
+          </a:fillRef>
+          <a:effectRef idx="0">
+            <a:schemeClr val="accent1"/>
+          </a:effectRef>
+          <a:fontRef idx="minor">
+            <a:schemeClr val="tx1"/>
+          </a:fontRef>
+        </p:style>
+      </p:cxnSp>
+      <p:cxnSp>
+        <p:nvCxnSpPr>
+          <p:cNvPr id="54" name="Gerader Verbinder 53">
+            <a:extLst>
+              <a:ext uri="{FF2B5EF4-FFF2-40B4-BE49-F238E27FC236}">
+                <a16:creationId xmlns:a16="http://schemas.microsoft.com/office/drawing/2014/main" id="{0598BF89-9B37-E04C-B84C-BA7284AF1940}"/>
+              </a:ext>
+            </a:extLst>
+          </p:cNvPr>
+          <p:cNvCxnSpPr>
+            <a:cxnSpLocks/>
+            <a:stCxn id="14" idx="2"/>
+          </p:cNvCxnSpPr>
+          <p:nvPr/>
+        </p:nvCxnSpPr>
+        <p:spPr>
+          <a:xfrm flipH="1">
+            <a:off x="6926162" y="1353199"/>
+            <a:ext cx="783728" cy="1424055"/>
+          </a:xfrm>
+          <a:prstGeom prst="line">
+            <a:avLst/>
+          </a:prstGeom>
+          <a:ln>
+            <a:solidFill>
+              <a:schemeClr val="tx2"/>
+            </a:solidFill>
+          </a:ln>
+        </p:spPr>
+        <p:style>
+          <a:lnRef idx="1">
+            <a:schemeClr val="accent1"/>
+          </a:lnRef>
+          <a:fillRef idx="0">
+            <a:schemeClr val="accent1"/>
+          </a:fillRef>
+          <a:effectRef idx="0">
+            <a:schemeClr val="accent1"/>
+          </a:effectRef>
+          <a:fontRef idx="minor">
+            <a:schemeClr val="tx1"/>
+          </a:fontRef>
+        </p:style>
+      </p:cxnSp>
+      <p:sp>
+        <p:nvSpPr>
+          <p:cNvPr id="59" name="Textfeld 58">
+            <a:extLst>
+              <a:ext uri="{FF2B5EF4-FFF2-40B4-BE49-F238E27FC236}">
+                <a16:creationId xmlns:a16="http://schemas.microsoft.com/office/drawing/2014/main" id="{6A7E1C0E-E4CB-DF3B-4EFE-BF0DB2DD55F9}"/>
+              </a:ext>
+            </a:extLst>
+          </p:cNvPr>
+          <p:cNvSpPr txBox="1"/>
+          <p:nvPr/>
+        </p:nvSpPr>
+        <p:spPr>
+          <a:xfrm>
+            <a:off x="2632070" y="3073364"/>
+            <a:ext cx="2861945" cy="261610"/>
+          </a:xfrm>
+          <a:prstGeom prst="rect">
+            <a:avLst/>
+          </a:prstGeom>
+          <a:noFill/>
+        </p:spPr>
+        <p:txBody>
+          <a:bodyPr wrap="square" rtlCol="0">
+            <a:spAutoFit/>
+          </a:bodyPr>
+          <a:lstStyle/>
+          <a:p>
+            <a:pPr algn="ctr"/>
+            <a:r>
+              <a:rPr lang="de-DE" sz="1100" dirty="0" err="1">
+                <a:latin typeface="Athiti Medium" panose="00000600000000000000" pitchFamily="2" charset="-34"/>
+                <a:cs typeface="Athiti Medium" panose="00000600000000000000" pitchFamily="2" charset="-34"/>
+              </a:rPr>
+              <a:t>ampKUJI</a:t>
+            </a:r>
+            <a:r>
+              <a:rPr lang="de-DE" sz="1100" dirty="0">
+                <a:latin typeface="Athiti Medium" panose="00000600000000000000" pitchFamily="2" charset="-34"/>
+                <a:cs typeface="Athiti Medium" panose="00000600000000000000" pitchFamily="2" charset="-34"/>
+              </a:rPr>
+              <a:t> / </a:t>
+            </a:r>
+            <a:r>
+              <a:rPr lang="de-DE" sz="1100" dirty="0" err="1">
+                <a:latin typeface="Athiti Medium" panose="00000600000000000000" pitchFamily="2" charset="-34"/>
+                <a:cs typeface="Athiti Medium" panose="00000600000000000000" pitchFamily="2" charset="-34"/>
+              </a:rPr>
+              <a:t>ampLUNA</a:t>
+            </a:r>
+            <a:endParaRPr lang="de-DE" sz="1100" dirty="0">
+              <a:latin typeface="Athiti Medium" panose="00000600000000000000" pitchFamily="2" charset="-34"/>
+              <a:cs typeface="Athiti Medium" panose="00000600000000000000" pitchFamily="2" charset="-34"/>
+            </a:endParaRPr>
+          </a:p>
+        </p:txBody>
+      </p:sp>
+      <p:sp>
+        <p:nvSpPr>
+          <p:cNvPr id="60" name="Textfeld 59">
+            <a:extLst>
+              <a:ext uri="{FF2B5EF4-FFF2-40B4-BE49-F238E27FC236}">
+                <a16:creationId xmlns:a16="http://schemas.microsoft.com/office/drawing/2014/main" id="{A2906ED8-FAD6-ED88-6D29-025829AF5CBF}"/>
+              </a:ext>
+            </a:extLst>
+          </p:cNvPr>
+          <p:cNvSpPr txBox="1"/>
+          <p:nvPr/>
+        </p:nvSpPr>
+        <p:spPr>
+          <a:xfrm>
+            <a:off x="2593970" y="3794428"/>
+            <a:ext cx="2861945" cy="261610"/>
+          </a:xfrm>
+          <a:prstGeom prst="rect">
+            <a:avLst/>
+          </a:prstGeom>
+          <a:noFill/>
+        </p:spPr>
+        <p:txBody>
+          <a:bodyPr wrap="square" rtlCol="0">
+            <a:spAutoFit/>
+          </a:bodyPr>
+          <a:lstStyle/>
+          <a:p>
+            <a:pPr algn="ctr"/>
+            <a:r>
+              <a:rPr lang="de-DE" sz="1100" dirty="0" err="1">
+                <a:latin typeface="Athiti Medium" panose="00000600000000000000" pitchFamily="2" charset="-34"/>
+                <a:cs typeface="Athiti Medium" panose="00000600000000000000" pitchFamily="2" charset="-34"/>
+              </a:rPr>
+              <a:t>ampATOM</a:t>
+            </a:r>
+            <a:r>
+              <a:rPr lang="de-DE" sz="1100" dirty="0">
+                <a:latin typeface="Athiti Medium" panose="00000600000000000000" pitchFamily="2" charset="-34"/>
+                <a:cs typeface="Athiti Medium" panose="00000600000000000000" pitchFamily="2" charset="-34"/>
+              </a:rPr>
+              <a:t> / </a:t>
+            </a:r>
+            <a:r>
+              <a:rPr lang="de-DE" sz="1100" dirty="0" err="1">
+                <a:latin typeface="Athiti Medium" panose="00000600000000000000" pitchFamily="2" charset="-34"/>
+                <a:cs typeface="Athiti Medium" panose="00000600000000000000" pitchFamily="2" charset="-34"/>
+              </a:rPr>
+              <a:t>ampLUNA</a:t>
+            </a:r>
+            <a:endParaRPr lang="de-DE" sz="1100" dirty="0">
+              <a:latin typeface="Athiti Medium" panose="00000600000000000000" pitchFamily="2" charset="-34"/>
+              <a:cs typeface="Athiti Medium" panose="00000600000000000000" pitchFamily="2" charset="-34"/>
+            </a:endParaRPr>
+          </a:p>
+        </p:txBody>
+      </p:sp>
+      <p:sp>
+        <p:nvSpPr>
+          <p:cNvPr id="61" name="Textfeld 60">
+            <a:extLst>
+              <a:ext uri="{FF2B5EF4-FFF2-40B4-BE49-F238E27FC236}">
+                <a16:creationId xmlns:a16="http://schemas.microsoft.com/office/drawing/2014/main" id="{FA6CB8E0-5595-FD9A-F231-4CC6F812A6DD}"/>
+              </a:ext>
+            </a:extLst>
+          </p:cNvPr>
+          <p:cNvSpPr txBox="1"/>
+          <p:nvPr/>
+        </p:nvSpPr>
+        <p:spPr>
+          <a:xfrm>
+            <a:off x="7556204" y="3802250"/>
+            <a:ext cx="2861945" cy="261610"/>
+          </a:xfrm>
+          <a:prstGeom prst="rect">
+            <a:avLst/>
+          </a:prstGeom>
+          <a:noFill/>
+        </p:spPr>
+        <p:txBody>
+          <a:bodyPr wrap="square" rtlCol="0">
+            <a:spAutoFit/>
+          </a:bodyPr>
+          <a:lstStyle/>
+          <a:p>
+            <a:pPr algn="ctr"/>
+            <a:r>
+              <a:rPr lang="de-DE" sz="1100" dirty="0" err="1">
+                <a:latin typeface="Athiti Medium" panose="00000600000000000000" pitchFamily="2" charset="-34"/>
+                <a:cs typeface="Athiti Medium" panose="00000600000000000000" pitchFamily="2" charset="-34"/>
+              </a:rPr>
+              <a:t>ampSEI</a:t>
+            </a:r>
+            <a:r>
+              <a:rPr lang="de-DE" sz="1100" dirty="0">
+                <a:latin typeface="Athiti Medium" panose="00000600000000000000" pitchFamily="2" charset="-34"/>
+                <a:cs typeface="Athiti Medium" panose="00000600000000000000" pitchFamily="2" charset="-34"/>
+              </a:rPr>
+              <a:t> / </a:t>
+            </a:r>
+            <a:r>
+              <a:rPr lang="de-DE" sz="1100" dirty="0" err="1">
+                <a:latin typeface="Athiti Medium" panose="00000600000000000000" pitchFamily="2" charset="-34"/>
+                <a:cs typeface="Athiti Medium" panose="00000600000000000000" pitchFamily="2" charset="-34"/>
+              </a:rPr>
+              <a:t>ampLUNA</a:t>
+            </a:r>
+            <a:endParaRPr lang="de-DE" sz="1100" dirty="0">
+              <a:latin typeface="Athiti Medium" panose="00000600000000000000" pitchFamily="2" charset="-34"/>
+              <a:cs typeface="Athiti Medium" panose="00000600000000000000" pitchFamily="2" charset="-34"/>
+            </a:endParaRPr>
+          </a:p>
+        </p:txBody>
+      </p:sp>
+      <p:sp>
+        <p:nvSpPr>
+          <p:cNvPr id="62" name="Textfeld 61">
+            <a:extLst>
+              <a:ext uri="{FF2B5EF4-FFF2-40B4-BE49-F238E27FC236}">
+                <a16:creationId xmlns:a16="http://schemas.microsoft.com/office/drawing/2014/main" id="{A52CADF8-4316-AF8E-CA7D-7238F33D1B54}"/>
+              </a:ext>
+            </a:extLst>
+          </p:cNvPr>
+          <p:cNvSpPr txBox="1"/>
+          <p:nvPr/>
+        </p:nvSpPr>
+        <p:spPr>
+          <a:xfrm>
+            <a:off x="3319009" y="5048898"/>
+            <a:ext cx="2861945" cy="261610"/>
+          </a:xfrm>
+          <a:prstGeom prst="rect">
+            <a:avLst/>
+          </a:prstGeom>
+          <a:noFill/>
+        </p:spPr>
+        <p:txBody>
+          <a:bodyPr wrap="square" rtlCol="0">
+            <a:spAutoFit/>
+          </a:bodyPr>
+          <a:lstStyle/>
+          <a:p>
+            <a:pPr algn="ctr"/>
+            <a:r>
+              <a:rPr lang="de-DE" sz="1100" dirty="0" err="1">
+                <a:latin typeface="Athiti Medium" panose="00000600000000000000" pitchFamily="2" charset="-34"/>
+                <a:cs typeface="Athiti Medium" panose="00000600000000000000" pitchFamily="2" charset="-34"/>
+              </a:rPr>
+              <a:t>ampEVMOS</a:t>
+            </a:r>
+            <a:r>
+              <a:rPr lang="de-DE" sz="1100" dirty="0">
+                <a:latin typeface="Athiti Medium" panose="00000600000000000000" pitchFamily="2" charset="-34"/>
+                <a:cs typeface="Athiti Medium" panose="00000600000000000000" pitchFamily="2" charset="-34"/>
+              </a:rPr>
+              <a:t> / </a:t>
+            </a:r>
+            <a:r>
+              <a:rPr lang="de-DE" sz="1100" dirty="0" err="1">
+                <a:latin typeface="Athiti Medium" panose="00000600000000000000" pitchFamily="2" charset="-34"/>
+                <a:cs typeface="Athiti Medium" panose="00000600000000000000" pitchFamily="2" charset="-34"/>
+              </a:rPr>
+              <a:t>ampLUNA</a:t>
+            </a:r>
+            <a:endParaRPr lang="de-DE" sz="1100" dirty="0">
+              <a:latin typeface="Athiti Medium" panose="00000600000000000000" pitchFamily="2" charset="-34"/>
+              <a:cs typeface="Athiti Medium" panose="00000600000000000000" pitchFamily="2" charset="-34"/>
+            </a:endParaRPr>
+          </a:p>
+        </p:txBody>
+      </p:sp>
+      <p:sp>
+        <p:nvSpPr>
+          <p:cNvPr id="64" name="Textfeld 63">
+            <a:extLst>
+              <a:ext uri="{FF2B5EF4-FFF2-40B4-BE49-F238E27FC236}">
+                <a16:creationId xmlns:a16="http://schemas.microsoft.com/office/drawing/2014/main" id="{B5962E58-27C2-F06E-CEF9-44B895E93336}"/>
+              </a:ext>
+            </a:extLst>
+          </p:cNvPr>
+          <p:cNvSpPr txBox="1"/>
+          <p:nvPr/>
+        </p:nvSpPr>
+        <p:spPr>
+          <a:xfrm>
+            <a:off x="7434283" y="3241818"/>
+            <a:ext cx="2861945" cy="261610"/>
+          </a:xfrm>
+          <a:prstGeom prst="rect">
+            <a:avLst/>
+          </a:prstGeom>
+          <a:noFill/>
+        </p:spPr>
+        <p:txBody>
+          <a:bodyPr wrap="square" rtlCol="0">
+            <a:spAutoFit/>
+          </a:bodyPr>
+          <a:lstStyle/>
+          <a:p>
+            <a:pPr algn="ctr"/>
+            <a:r>
+              <a:rPr lang="de-DE" sz="1100" dirty="0" err="1">
+                <a:latin typeface="Athiti Medium" panose="00000600000000000000" pitchFamily="2" charset="-34"/>
+                <a:cs typeface="Athiti Medium" panose="00000600000000000000" pitchFamily="2" charset="-34"/>
+              </a:rPr>
+              <a:t>ampSECRET</a:t>
+            </a:r>
+            <a:r>
+              <a:rPr lang="de-DE" sz="1100" dirty="0">
+                <a:latin typeface="Athiti Medium" panose="00000600000000000000" pitchFamily="2" charset="-34"/>
+                <a:cs typeface="Athiti Medium" panose="00000600000000000000" pitchFamily="2" charset="-34"/>
+              </a:rPr>
+              <a:t> / </a:t>
+            </a:r>
+            <a:r>
+              <a:rPr lang="de-DE" sz="1100" dirty="0" err="1">
+                <a:latin typeface="Athiti Medium" panose="00000600000000000000" pitchFamily="2" charset="-34"/>
+                <a:cs typeface="Athiti Medium" panose="00000600000000000000" pitchFamily="2" charset="-34"/>
+              </a:rPr>
+              <a:t>ampLUNA</a:t>
+            </a:r>
+            <a:endParaRPr lang="de-DE" sz="1100" dirty="0">
+              <a:latin typeface="Athiti Medium" panose="00000600000000000000" pitchFamily="2" charset="-34"/>
+              <a:cs typeface="Athiti Medium" panose="00000600000000000000" pitchFamily="2" charset="-34"/>
+            </a:endParaRPr>
+          </a:p>
+        </p:txBody>
+      </p:sp>
+      <p:sp>
+        <p:nvSpPr>
+          <p:cNvPr id="66" name="Textfeld 65">
+            <a:extLst>
+              <a:ext uri="{FF2B5EF4-FFF2-40B4-BE49-F238E27FC236}">
+                <a16:creationId xmlns:a16="http://schemas.microsoft.com/office/drawing/2014/main" id="{AB4614F7-DDEC-202F-88DA-866E683450FD}"/>
+              </a:ext>
+            </a:extLst>
+          </p:cNvPr>
+          <p:cNvSpPr txBox="1"/>
+          <p:nvPr/>
+        </p:nvSpPr>
+        <p:spPr>
+          <a:xfrm>
+            <a:off x="6921864" y="5048898"/>
+            <a:ext cx="2861945" cy="261610"/>
+          </a:xfrm>
+          <a:prstGeom prst="rect">
+            <a:avLst/>
+          </a:prstGeom>
+          <a:noFill/>
+        </p:spPr>
+        <p:txBody>
+          <a:bodyPr wrap="square" rtlCol="0">
+            <a:spAutoFit/>
+          </a:bodyPr>
+          <a:lstStyle/>
+          <a:p>
+            <a:pPr algn="ctr"/>
+            <a:r>
+              <a:rPr lang="de-DE" sz="1100" dirty="0" err="1">
+                <a:latin typeface="Athiti Medium" panose="00000600000000000000" pitchFamily="2" charset="-34"/>
+                <a:cs typeface="Athiti Medium" panose="00000600000000000000" pitchFamily="2" charset="-34"/>
+              </a:rPr>
+              <a:t>amp</a:t>
+            </a:r>
+            <a:r>
+              <a:rPr lang="de-DE" sz="1100" dirty="0">
+                <a:latin typeface="Athiti Medium" panose="00000600000000000000" pitchFamily="2" charset="-34"/>
+                <a:cs typeface="Athiti Medium" panose="00000600000000000000" pitchFamily="2" charset="-34"/>
+              </a:rPr>
+              <a:t>[TOKEN] / </a:t>
+            </a:r>
+            <a:r>
+              <a:rPr lang="de-DE" sz="1100" dirty="0" err="1">
+                <a:latin typeface="Athiti Medium" panose="00000600000000000000" pitchFamily="2" charset="-34"/>
+                <a:cs typeface="Athiti Medium" panose="00000600000000000000" pitchFamily="2" charset="-34"/>
+              </a:rPr>
+              <a:t>ampLUNA</a:t>
+            </a:r>
+            <a:endParaRPr lang="de-DE" sz="1100" dirty="0">
+              <a:latin typeface="Athiti Medium" panose="00000600000000000000" pitchFamily="2" charset="-34"/>
+              <a:cs typeface="Athiti Medium" panose="00000600000000000000" pitchFamily="2" charset="-34"/>
+            </a:endParaRPr>
+          </a:p>
+        </p:txBody>
+      </p:sp>
+      <p:sp>
+        <p:nvSpPr>
+          <p:cNvPr id="67" name="Textfeld 66">
+            <a:extLst>
+              <a:ext uri="{FF2B5EF4-FFF2-40B4-BE49-F238E27FC236}">
+                <a16:creationId xmlns:a16="http://schemas.microsoft.com/office/drawing/2014/main" id="{ED462D1F-B794-A768-F171-7948C7727845}"/>
+              </a:ext>
+            </a:extLst>
+          </p:cNvPr>
+          <p:cNvSpPr txBox="1"/>
+          <p:nvPr/>
+        </p:nvSpPr>
+        <p:spPr>
+          <a:xfrm>
+            <a:off x="6955539" y="1633353"/>
+            <a:ext cx="2861945" cy="261610"/>
+          </a:xfrm>
+          <a:prstGeom prst="rect">
+            <a:avLst/>
+          </a:prstGeom>
+          <a:noFill/>
+        </p:spPr>
+        <p:txBody>
+          <a:bodyPr wrap="square" rtlCol="0">
+            <a:spAutoFit/>
+          </a:bodyPr>
+          <a:lstStyle/>
+          <a:p>
+            <a:pPr algn="ctr"/>
+            <a:r>
+              <a:rPr lang="de-DE" sz="1100" dirty="0" err="1">
+                <a:latin typeface="Athiti Medium" panose="00000600000000000000" pitchFamily="2" charset="-34"/>
+                <a:cs typeface="Athiti Medium" panose="00000600000000000000" pitchFamily="2" charset="-34"/>
+              </a:rPr>
+              <a:t>ampJUNO</a:t>
+            </a:r>
+            <a:r>
+              <a:rPr lang="de-DE" sz="1100" dirty="0">
+                <a:latin typeface="Athiti Medium" panose="00000600000000000000" pitchFamily="2" charset="-34"/>
+                <a:cs typeface="Athiti Medium" panose="00000600000000000000" pitchFamily="2" charset="-34"/>
+              </a:rPr>
+              <a:t> / </a:t>
+            </a:r>
+            <a:r>
+              <a:rPr lang="de-DE" sz="1100" dirty="0" err="1">
+                <a:latin typeface="Athiti Medium" panose="00000600000000000000" pitchFamily="2" charset="-34"/>
+                <a:cs typeface="Athiti Medium" panose="00000600000000000000" pitchFamily="2" charset="-34"/>
+              </a:rPr>
+              <a:t>ampLUNA</a:t>
+            </a:r>
+            <a:endParaRPr lang="de-DE" sz="1100" dirty="0">
+              <a:latin typeface="Athiti Medium" panose="00000600000000000000" pitchFamily="2" charset="-34"/>
+              <a:cs typeface="Athiti Medium" panose="00000600000000000000" pitchFamily="2" charset="-34"/>
+            </a:endParaRPr>
+          </a:p>
+        </p:txBody>
+      </p:sp>
+      <p:sp>
+        <p:nvSpPr>
+          <p:cNvPr id="68" name="Textfeld 67">
+            <a:extLst>
+              <a:ext uri="{FF2B5EF4-FFF2-40B4-BE49-F238E27FC236}">
+                <a16:creationId xmlns:a16="http://schemas.microsoft.com/office/drawing/2014/main" id="{7BDD8E17-0549-2B49-9AD0-E5A8AFEFC0FA}"/>
+              </a:ext>
+            </a:extLst>
+          </p:cNvPr>
+          <p:cNvSpPr txBox="1"/>
+          <p:nvPr/>
+        </p:nvSpPr>
+        <p:spPr>
+          <a:xfrm>
+            <a:off x="3080058" y="1633353"/>
+            <a:ext cx="2861945" cy="261610"/>
+          </a:xfrm>
+          <a:prstGeom prst="rect">
+            <a:avLst/>
+          </a:prstGeom>
+          <a:noFill/>
+        </p:spPr>
+        <p:txBody>
+          <a:bodyPr wrap="square" rtlCol="0">
+            <a:spAutoFit/>
+          </a:bodyPr>
+          <a:lstStyle/>
+          <a:p>
+            <a:pPr algn="ctr"/>
+            <a:r>
+              <a:rPr lang="de-DE" sz="1100" dirty="0" err="1">
+                <a:latin typeface="Athiti Medium" panose="00000600000000000000" pitchFamily="2" charset="-34"/>
+                <a:cs typeface="Athiti Medium" panose="00000600000000000000" pitchFamily="2" charset="-34"/>
+              </a:rPr>
+              <a:t>ampOSMO</a:t>
+            </a:r>
+            <a:r>
+              <a:rPr lang="de-DE" sz="1100" dirty="0">
+                <a:latin typeface="Athiti Medium" panose="00000600000000000000" pitchFamily="2" charset="-34"/>
+                <a:cs typeface="Athiti Medium" panose="00000600000000000000" pitchFamily="2" charset="-34"/>
+              </a:rPr>
+              <a:t> / </a:t>
+            </a:r>
+            <a:r>
+              <a:rPr lang="de-DE" sz="1100" dirty="0" err="1">
+                <a:latin typeface="Athiti Medium" panose="00000600000000000000" pitchFamily="2" charset="-34"/>
+                <a:cs typeface="Athiti Medium" panose="00000600000000000000" pitchFamily="2" charset="-34"/>
+              </a:rPr>
+              <a:t>ampLUNA</a:t>
+            </a:r>
+            <a:endParaRPr lang="de-DE" sz="1100" dirty="0">
+              <a:latin typeface="Athiti Medium" panose="00000600000000000000" pitchFamily="2" charset="-34"/>
+              <a:cs typeface="Athiti Medium" panose="00000600000000000000" pitchFamily="2" charset="-34"/>
+            </a:endParaRPr>
+          </a:p>
+        </p:txBody>
+      </p:sp>
+    </p:spTree>
+    <p:extLst>
+      <p:ext uri="{BB962C8B-B14F-4D97-AF65-F5344CB8AC3E}">
+        <p14:creationId xmlns:p14="http://schemas.microsoft.com/office/powerpoint/2010/main" val="1439530572"/>
+      </p:ext>
+    </p:extLst>
+  </p:cSld>
+  <p:clrMapOvr>
+    <a:masterClrMapping/>
+  </p:clrMapOvr>
+  <mc:AlternateContent xmlns:mc="http://schemas.openxmlformats.org/markup-compatibility/2006" xmlns:p14="http://schemas.microsoft.com/office/powerpoint/2010/main">
+    <mc:Choice Requires="p14">
+      <p:transition spd="slow" p14:dur="1250">
+        <p14:flip dir="r"/>
+      </p:transition>
+    </mc:Choice>
+    <mc:Fallback xmlns="">
+      <p:transition spd="slow">
+        <p:fade/>
+      </p:transition>
+    </mc:Fallback>
+  </mc:AlternateContent>
+</p:sld>
+</file>
+
+<file path=ppt/slides/slide21.xml><?xml version="1.0" encoding="utf-8"?>
+<p:sld xmlns:a="http://schemas.openxmlformats.org/drawingml/2006/main" xmlns:r="http://schemas.openxmlformats.org/officeDocument/2006/relationships" xmlns:p="http://schemas.openxmlformats.org/presentationml/2006/main">
+  <p:cSld>
+    <p:spTree>
+      <p:nvGrpSpPr>
+        <p:cNvPr id="1" name=""/>
+        <p:cNvGrpSpPr/>
+        <p:nvPr/>
+      </p:nvGrpSpPr>
+      <p:grpSpPr>
+        <a:xfrm>
+          <a:off x="0" y="0"/>
+          <a:ext cx="0" cy="0"/>
+          <a:chOff x="0" y="0"/>
+          <a:chExt cx="0" cy="0"/>
+        </a:xfrm>
+      </p:grpSpPr>
+      <p:sp>
+        <p:nvSpPr>
+          <p:cNvPr id="2" name="Rechteck 1">
+            <a:extLst>
+              <a:ext uri="{FF2B5EF4-FFF2-40B4-BE49-F238E27FC236}">
+                <a16:creationId xmlns:a16="http://schemas.microsoft.com/office/drawing/2014/main" id="{C8A951FD-FFEC-906A-9E6D-0AA6D392FEF4}"/>
+              </a:ext>
+            </a:extLst>
+          </p:cNvPr>
+          <p:cNvSpPr/>
+          <p:nvPr/>
+        </p:nvSpPr>
+        <p:spPr>
+          <a:xfrm>
+            <a:off x="2408191" y="609600"/>
+            <a:ext cx="8107409" cy="5905500"/>
+          </a:xfrm>
+          <a:prstGeom prst="rect">
+            <a:avLst/>
+          </a:prstGeom>
+          <a:solidFill>
+            <a:srgbClr val="000000"/>
+          </a:solidFill>
+        </p:spPr>
+        <p:style>
+          <a:lnRef idx="2">
+            <a:schemeClr val="dk1">
+              <a:shade val="50000"/>
+            </a:schemeClr>
+          </a:lnRef>
+          <a:fillRef idx="1">
+            <a:schemeClr val="dk1"/>
+          </a:fillRef>
+          <a:effectRef idx="0">
+            <a:schemeClr val="dk1"/>
+          </a:effectRef>
+          <a:fontRef idx="minor">
+            <a:schemeClr val="lt1"/>
+          </a:fontRef>
+        </p:style>
+        <p:txBody>
+          <a:bodyPr rtlCol="0" anchor="ctr"/>
+          <a:lstStyle/>
+          <a:p>
+            <a:pPr algn="ctr"/>
+            <a:endParaRPr lang="de-DE">
+              <a:solidFill>
+                <a:schemeClr val="bg2"/>
+              </a:solidFill>
+            </a:endParaRPr>
+          </a:p>
+        </p:txBody>
+      </p:sp>
+      <p:sp>
+        <p:nvSpPr>
+          <p:cNvPr id="11" name="Rechteck 10">
+            <a:extLst>
+              <a:ext uri="{FF2B5EF4-FFF2-40B4-BE49-F238E27FC236}">
+                <a16:creationId xmlns:a16="http://schemas.microsoft.com/office/drawing/2014/main" id="{E3CBFD71-13CC-D82B-5FC3-2689739692EC}"/>
+              </a:ext>
+            </a:extLst>
+          </p:cNvPr>
+          <p:cNvSpPr/>
+          <p:nvPr/>
+        </p:nvSpPr>
+        <p:spPr>
+          <a:xfrm>
+            <a:off x="5227737" y="2836752"/>
+            <a:ext cx="2482153" cy="673094"/>
+          </a:xfrm>
+          <a:prstGeom prst="rect">
+            <a:avLst/>
+          </a:prstGeom>
+          <a:noFill/>
+          <a:ln>
+            <a:solidFill>
+              <a:schemeClr val="tx2">
+                <a:lumMod val="25000"/>
+                <a:lumOff val="75000"/>
+              </a:schemeClr>
+            </a:solidFill>
+          </a:ln>
+        </p:spPr>
+        <p:style>
+          <a:lnRef idx="2">
+            <a:schemeClr val="accent3">
+              <a:shade val="50000"/>
+            </a:schemeClr>
+          </a:lnRef>
+          <a:fillRef idx="1">
+            <a:schemeClr val="accent3"/>
+          </a:fillRef>
+          <a:effectRef idx="0">
+            <a:schemeClr val="accent3"/>
+          </a:effectRef>
+          <a:fontRef idx="minor">
+            <a:schemeClr val="lt1"/>
+          </a:fontRef>
+        </p:style>
+        <p:txBody>
+          <a:bodyPr rtlCol="0" anchor="ctr"/>
+          <a:lstStyle/>
+          <a:p>
+            <a:pPr algn="ctr"/>
+            <a:r>
+              <a:rPr lang="de-DE" sz="1400" dirty="0">
+                <a:solidFill>
+                  <a:schemeClr val="bg2"/>
+                </a:solidFill>
+                <a:latin typeface="Aldrich" panose="02000000000000000000" pitchFamily="2" charset="0"/>
+                <a:cs typeface="Athiti Medium" panose="00000600000000000000" pitchFamily="2" charset="-34"/>
+              </a:rPr>
+              <a:t>Terra LSD</a:t>
+            </a:r>
+          </a:p>
+          <a:p>
+            <a:pPr algn="ctr"/>
+            <a:r>
+              <a:rPr lang="de-DE" sz="1400" dirty="0" err="1">
+                <a:solidFill>
+                  <a:schemeClr val="bg2"/>
+                </a:solidFill>
+                <a:latin typeface="Aldrich" panose="02000000000000000000" pitchFamily="2" charset="0"/>
+                <a:cs typeface="Athiti Medium" panose="00000600000000000000" pitchFamily="2" charset="-34"/>
+              </a:rPr>
+              <a:t>Liquidity</a:t>
+            </a:r>
+            <a:r>
+              <a:rPr lang="de-DE" sz="1400" dirty="0">
+                <a:solidFill>
+                  <a:schemeClr val="bg2"/>
+                </a:solidFill>
+                <a:latin typeface="Aldrich" panose="02000000000000000000" pitchFamily="2" charset="0"/>
+                <a:cs typeface="Athiti Medium" panose="00000600000000000000" pitchFamily="2" charset="-34"/>
+              </a:rPr>
+              <a:t> Hub</a:t>
+            </a:r>
+          </a:p>
+        </p:txBody>
+      </p:sp>
+      <p:sp>
+        <p:nvSpPr>
+          <p:cNvPr id="3" name="Rechteck 2">
+            <a:extLst>
+              <a:ext uri="{FF2B5EF4-FFF2-40B4-BE49-F238E27FC236}">
+                <a16:creationId xmlns:a16="http://schemas.microsoft.com/office/drawing/2014/main" id="{E6B4CC40-D342-FE5F-881A-394F87EDC466}"/>
+              </a:ext>
+            </a:extLst>
+          </p:cNvPr>
+          <p:cNvSpPr/>
+          <p:nvPr/>
+        </p:nvSpPr>
+        <p:spPr>
+          <a:xfrm>
+            <a:off x="2500611" y="2163656"/>
+            <a:ext cx="1293713" cy="673096"/>
+          </a:xfrm>
+          <a:prstGeom prst="rect">
+            <a:avLst/>
+          </a:prstGeom>
+          <a:noFill/>
+          <a:ln>
+            <a:gradFill>
+              <a:gsLst>
+                <a:gs pos="0">
+                  <a:schemeClr val="accent5"/>
+                </a:gs>
+                <a:gs pos="100000">
+                  <a:schemeClr val="accent4"/>
+                </a:gs>
+              </a:gsLst>
+              <a:lin ang="0" scaled="0"/>
+            </a:gradFill>
+          </a:ln>
+        </p:spPr>
+        <p:style>
+          <a:lnRef idx="2">
+            <a:schemeClr val="accent3">
+              <a:shade val="50000"/>
+            </a:schemeClr>
+          </a:lnRef>
+          <a:fillRef idx="1">
+            <a:schemeClr val="accent3"/>
+          </a:fillRef>
+          <a:effectRef idx="0">
+            <a:schemeClr val="accent3"/>
+          </a:effectRef>
+          <a:fontRef idx="minor">
+            <a:schemeClr val="lt1"/>
+          </a:fontRef>
+        </p:style>
+        <p:txBody>
+          <a:bodyPr rtlCol="0" anchor="ctr"/>
+          <a:lstStyle/>
+          <a:p>
+            <a:pPr algn="ctr"/>
+            <a:r>
+              <a:rPr lang="de-DE" sz="1400" dirty="0">
+                <a:solidFill>
+                  <a:schemeClr val="bg2"/>
+                </a:solidFill>
+                <a:latin typeface="Aldrich" panose="02000000000000000000" pitchFamily="2" charset="0"/>
+                <a:cs typeface="Athiti Medium" panose="00000600000000000000" pitchFamily="2" charset="-34"/>
+              </a:rPr>
+              <a:t>KUJIRA</a:t>
+            </a:r>
+          </a:p>
+        </p:txBody>
+      </p:sp>
+      <p:sp>
+        <p:nvSpPr>
+          <p:cNvPr id="5" name="Rechteck 4">
+            <a:extLst>
+              <a:ext uri="{FF2B5EF4-FFF2-40B4-BE49-F238E27FC236}">
+                <a16:creationId xmlns:a16="http://schemas.microsoft.com/office/drawing/2014/main" id="{8D656FF5-7BAC-4F41-925D-1CC1416C3AEF}"/>
+              </a:ext>
+            </a:extLst>
+          </p:cNvPr>
+          <p:cNvSpPr/>
+          <p:nvPr/>
+        </p:nvSpPr>
+        <p:spPr>
+          <a:xfrm>
+            <a:off x="5227737" y="3566996"/>
+            <a:ext cx="783727" cy="334253"/>
+          </a:xfrm>
+          <a:prstGeom prst="rect">
+            <a:avLst/>
+          </a:prstGeom>
+          <a:noFill/>
+          <a:ln>
+            <a:solidFill>
+              <a:schemeClr val="tx2">
+                <a:lumMod val="25000"/>
+                <a:lumOff val="75000"/>
+              </a:schemeClr>
+            </a:solidFill>
+          </a:ln>
+        </p:spPr>
+        <p:style>
+          <a:lnRef idx="2">
+            <a:schemeClr val="accent3">
+              <a:shade val="50000"/>
+            </a:schemeClr>
+          </a:lnRef>
+          <a:fillRef idx="1">
+            <a:schemeClr val="accent3"/>
+          </a:fillRef>
+          <a:effectRef idx="0">
+            <a:schemeClr val="accent3"/>
+          </a:effectRef>
+          <a:fontRef idx="minor">
+            <a:schemeClr val="lt1"/>
+          </a:fontRef>
+        </p:style>
+        <p:txBody>
+          <a:bodyPr rtlCol="0" anchor="ctr"/>
+          <a:lstStyle/>
+          <a:p>
+            <a:pPr algn="ctr"/>
+            <a:r>
+              <a:rPr lang="de-DE" sz="900" dirty="0">
+                <a:solidFill>
+                  <a:schemeClr val="bg2"/>
+                </a:solidFill>
+                <a:latin typeface="Aldrich" panose="02000000000000000000" pitchFamily="2" charset="0"/>
+                <a:cs typeface="Athiti Medium" panose="00000600000000000000" pitchFamily="2" charset="-34"/>
+              </a:rPr>
+              <a:t>MARS</a:t>
+            </a:r>
+          </a:p>
+          <a:p>
+            <a:pPr algn="ctr"/>
+            <a:r>
+              <a:rPr lang="de-DE" sz="900" dirty="0">
+                <a:solidFill>
+                  <a:schemeClr val="bg2"/>
+                </a:solidFill>
+                <a:latin typeface="Aldrich" panose="02000000000000000000" pitchFamily="2" charset="0"/>
+                <a:cs typeface="Athiti Medium" panose="00000600000000000000" pitchFamily="2" charset="-34"/>
+              </a:rPr>
+              <a:t>OUTPOST</a:t>
+            </a:r>
+          </a:p>
+        </p:txBody>
+      </p:sp>
+      <p:sp>
+        <p:nvSpPr>
+          <p:cNvPr id="6" name="Rechteck 5">
+            <a:extLst>
+              <a:ext uri="{FF2B5EF4-FFF2-40B4-BE49-F238E27FC236}">
+                <a16:creationId xmlns:a16="http://schemas.microsoft.com/office/drawing/2014/main" id="{592D507E-68F4-0BA1-F5D7-B06A4665B0A2}"/>
+              </a:ext>
+            </a:extLst>
+          </p:cNvPr>
+          <p:cNvSpPr/>
+          <p:nvPr/>
+        </p:nvSpPr>
+        <p:spPr>
+          <a:xfrm>
+            <a:off x="6076950" y="3566995"/>
+            <a:ext cx="783727" cy="334253"/>
+          </a:xfrm>
+          <a:prstGeom prst="rect">
+            <a:avLst/>
+          </a:prstGeom>
+          <a:noFill/>
+          <a:ln>
+            <a:solidFill>
+              <a:schemeClr val="tx2">
+                <a:lumMod val="25000"/>
+                <a:lumOff val="75000"/>
+              </a:schemeClr>
+            </a:solidFill>
+          </a:ln>
+        </p:spPr>
+        <p:style>
+          <a:lnRef idx="2">
+            <a:schemeClr val="accent3">
+              <a:shade val="50000"/>
+            </a:schemeClr>
+          </a:lnRef>
+          <a:fillRef idx="1">
+            <a:schemeClr val="accent3"/>
+          </a:fillRef>
+          <a:effectRef idx="0">
+            <a:schemeClr val="accent3"/>
+          </a:effectRef>
+          <a:fontRef idx="minor">
+            <a:schemeClr val="lt1"/>
+          </a:fontRef>
+        </p:style>
+        <p:txBody>
+          <a:bodyPr rtlCol="0" anchor="ctr"/>
+          <a:lstStyle/>
+          <a:p>
+            <a:pPr algn="ctr"/>
+            <a:r>
+              <a:rPr lang="de-DE" sz="900" dirty="0">
+                <a:solidFill>
+                  <a:schemeClr val="bg2"/>
+                </a:solidFill>
+                <a:latin typeface="Aldrich" panose="02000000000000000000" pitchFamily="2" charset="0"/>
+                <a:cs typeface="Athiti Medium" panose="00000600000000000000" pitchFamily="2" charset="-34"/>
+              </a:rPr>
+              <a:t>STABLE</a:t>
+            </a:r>
+          </a:p>
+          <a:p>
+            <a:pPr algn="ctr"/>
+            <a:r>
+              <a:rPr lang="de-DE" sz="900" dirty="0">
+                <a:solidFill>
+                  <a:schemeClr val="bg2"/>
+                </a:solidFill>
+                <a:latin typeface="Aldrich" panose="02000000000000000000" pitchFamily="2" charset="0"/>
+                <a:cs typeface="Athiti Medium" panose="00000600000000000000" pitchFamily="2" charset="-34"/>
+              </a:rPr>
+              <a:t>COIN</a:t>
+            </a:r>
+          </a:p>
+        </p:txBody>
+      </p:sp>
+      <p:sp>
+        <p:nvSpPr>
+          <p:cNvPr id="7" name="Rechteck 6">
+            <a:extLst>
+              <a:ext uri="{FF2B5EF4-FFF2-40B4-BE49-F238E27FC236}">
+                <a16:creationId xmlns:a16="http://schemas.microsoft.com/office/drawing/2014/main" id="{4AFBDEEA-4913-4B14-265C-D99B06E4CC69}"/>
+              </a:ext>
+            </a:extLst>
+          </p:cNvPr>
+          <p:cNvSpPr/>
+          <p:nvPr/>
+        </p:nvSpPr>
+        <p:spPr>
+          <a:xfrm>
+            <a:off x="6926163" y="3566994"/>
+            <a:ext cx="783727" cy="334253"/>
+          </a:xfrm>
+          <a:prstGeom prst="rect">
+            <a:avLst/>
+          </a:prstGeom>
+          <a:noFill/>
+          <a:ln>
+            <a:solidFill>
+              <a:schemeClr val="tx2">
+                <a:lumMod val="25000"/>
+                <a:lumOff val="75000"/>
+              </a:schemeClr>
+            </a:solidFill>
+          </a:ln>
+        </p:spPr>
+        <p:style>
+          <a:lnRef idx="2">
+            <a:schemeClr val="accent3">
+              <a:shade val="50000"/>
+            </a:schemeClr>
+          </a:lnRef>
+          <a:fillRef idx="1">
+            <a:schemeClr val="accent3"/>
+          </a:fillRef>
+          <a:effectRef idx="0">
+            <a:schemeClr val="accent3"/>
+          </a:effectRef>
+          <a:fontRef idx="minor">
+            <a:schemeClr val="lt1"/>
+          </a:fontRef>
+        </p:style>
+        <p:txBody>
+          <a:bodyPr rtlCol="0" anchor="ctr"/>
+          <a:lstStyle/>
+          <a:p>
+            <a:pPr algn="ctr"/>
+            <a:r>
+              <a:rPr lang="de-DE" sz="900" dirty="0">
+                <a:solidFill>
+                  <a:schemeClr val="bg2"/>
+                </a:solidFill>
+                <a:latin typeface="Aldrich" panose="02000000000000000000" pitchFamily="2" charset="0"/>
+                <a:cs typeface="Athiti Medium" panose="00000600000000000000" pitchFamily="2" charset="-34"/>
+              </a:rPr>
+              <a:t>CASH FLOW</a:t>
+            </a:r>
+          </a:p>
+        </p:txBody>
+      </p:sp>
+      <p:sp>
+        <p:nvSpPr>
+          <p:cNvPr id="8" name="Rechteck 7">
+            <a:extLst>
+              <a:ext uri="{FF2B5EF4-FFF2-40B4-BE49-F238E27FC236}">
+                <a16:creationId xmlns:a16="http://schemas.microsoft.com/office/drawing/2014/main" id="{BD7A6EA1-BD5E-6D1B-FB86-180F29C19425}"/>
+              </a:ext>
+            </a:extLst>
+          </p:cNvPr>
+          <p:cNvSpPr/>
+          <p:nvPr/>
+        </p:nvSpPr>
+        <p:spPr>
+          <a:xfrm>
+            <a:off x="5227737" y="3960746"/>
+            <a:ext cx="783727" cy="334253"/>
+          </a:xfrm>
+          <a:prstGeom prst="rect">
+            <a:avLst/>
+          </a:prstGeom>
+          <a:noFill/>
+          <a:ln>
+            <a:solidFill>
+              <a:schemeClr val="tx2">
+                <a:lumMod val="25000"/>
+                <a:lumOff val="75000"/>
+              </a:schemeClr>
+            </a:solidFill>
+          </a:ln>
+        </p:spPr>
+        <p:style>
+          <a:lnRef idx="2">
+            <a:schemeClr val="accent3">
+              <a:shade val="50000"/>
+            </a:schemeClr>
+          </a:lnRef>
+          <a:fillRef idx="1">
+            <a:schemeClr val="accent3"/>
+          </a:fillRef>
+          <a:effectRef idx="0">
+            <a:schemeClr val="accent3"/>
+          </a:effectRef>
+          <a:fontRef idx="minor">
+            <a:schemeClr val="lt1"/>
+          </a:fontRef>
+        </p:style>
+        <p:txBody>
+          <a:bodyPr rtlCol="0" anchor="ctr"/>
+          <a:lstStyle/>
+          <a:p>
+            <a:pPr algn="ctr"/>
+            <a:r>
+              <a:rPr lang="de-DE" sz="900" dirty="0">
+                <a:solidFill>
+                  <a:schemeClr val="bg2"/>
+                </a:solidFill>
+                <a:latin typeface="Aldrich" panose="02000000000000000000" pitchFamily="2" charset="0"/>
+                <a:cs typeface="Athiti Medium" panose="00000600000000000000" pitchFamily="2" charset="-34"/>
+              </a:rPr>
+              <a:t>DEFI</a:t>
+            </a:r>
+          </a:p>
+        </p:txBody>
+      </p:sp>
+      <p:sp>
+        <p:nvSpPr>
+          <p:cNvPr id="9" name="Rechteck 8">
+            <a:extLst>
+              <a:ext uri="{FF2B5EF4-FFF2-40B4-BE49-F238E27FC236}">
+                <a16:creationId xmlns:a16="http://schemas.microsoft.com/office/drawing/2014/main" id="{E1154F48-9487-CA84-E262-4D034FAFAC66}"/>
+              </a:ext>
+            </a:extLst>
+          </p:cNvPr>
+          <p:cNvSpPr/>
+          <p:nvPr/>
+        </p:nvSpPr>
+        <p:spPr>
+          <a:xfrm>
+            <a:off x="6076949" y="3958397"/>
+            <a:ext cx="783727" cy="334253"/>
+          </a:xfrm>
+          <a:prstGeom prst="rect">
+            <a:avLst/>
+          </a:prstGeom>
+          <a:noFill/>
+          <a:ln>
+            <a:solidFill>
+              <a:schemeClr val="tx2">
+                <a:lumMod val="25000"/>
+                <a:lumOff val="75000"/>
+              </a:schemeClr>
+            </a:solidFill>
+          </a:ln>
+        </p:spPr>
+        <p:style>
+          <a:lnRef idx="2">
+            <a:schemeClr val="accent3">
+              <a:shade val="50000"/>
+            </a:schemeClr>
+          </a:lnRef>
+          <a:fillRef idx="1">
+            <a:schemeClr val="accent3"/>
+          </a:fillRef>
+          <a:effectRef idx="0">
+            <a:schemeClr val="accent3"/>
+          </a:effectRef>
+          <a:fontRef idx="minor">
+            <a:schemeClr val="lt1"/>
+          </a:fontRef>
+        </p:style>
+        <p:txBody>
+          <a:bodyPr rtlCol="0" anchor="ctr"/>
+          <a:lstStyle/>
+          <a:p>
+            <a:pPr algn="ctr"/>
+            <a:r>
+              <a:rPr lang="de-DE" sz="900" dirty="0">
+                <a:solidFill>
+                  <a:schemeClr val="bg2"/>
+                </a:solidFill>
+                <a:latin typeface="Aldrich" panose="02000000000000000000" pitchFamily="2" charset="0"/>
+                <a:cs typeface="Athiti Medium" panose="00000600000000000000" pitchFamily="2" charset="-34"/>
+              </a:rPr>
+              <a:t>ESTATES</a:t>
+            </a:r>
+          </a:p>
+        </p:txBody>
+      </p:sp>
+      <p:sp>
+        <p:nvSpPr>
+          <p:cNvPr id="10" name="Rechteck 9">
+            <a:extLst>
+              <a:ext uri="{FF2B5EF4-FFF2-40B4-BE49-F238E27FC236}">
+                <a16:creationId xmlns:a16="http://schemas.microsoft.com/office/drawing/2014/main" id="{2700C5BE-5585-332D-5992-07E013DEFD8E}"/>
+              </a:ext>
+            </a:extLst>
+          </p:cNvPr>
+          <p:cNvSpPr/>
+          <p:nvPr/>
+        </p:nvSpPr>
+        <p:spPr>
+          <a:xfrm>
+            <a:off x="6926163" y="3958397"/>
+            <a:ext cx="783727" cy="334253"/>
+          </a:xfrm>
+          <a:prstGeom prst="rect">
+            <a:avLst/>
+          </a:prstGeom>
+          <a:noFill/>
+          <a:ln>
+            <a:solidFill>
+              <a:schemeClr val="tx2">
+                <a:lumMod val="25000"/>
+                <a:lumOff val="75000"/>
+              </a:schemeClr>
+            </a:solidFill>
+          </a:ln>
+        </p:spPr>
+        <p:style>
+          <a:lnRef idx="2">
+            <a:schemeClr val="accent3">
+              <a:shade val="50000"/>
+            </a:schemeClr>
+          </a:lnRef>
+          <a:fillRef idx="1">
+            <a:schemeClr val="accent3"/>
+          </a:fillRef>
+          <a:effectRef idx="0">
+            <a:schemeClr val="accent3"/>
+          </a:effectRef>
+          <a:fontRef idx="minor">
+            <a:schemeClr val="lt1"/>
+          </a:fontRef>
+        </p:style>
+        <p:txBody>
+          <a:bodyPr rtlCol="0" anchor="ctr"/>
+          <a:lstStyle/>
+          <a:p>
+            <a:pPr algn="ctr"/>
+            <a:r>
+              <a:rPr lang="de-DE" sz="900" dirty="0">
+                <a:solidFill>
+                  <a:schemeClr val="bg2"/>
+                </a:solidFill>
+                <a:latin typeface="Aldrich" panose="02000000000000000000" pitchFamily="2" charset="0"/>
+                <a:cs typeface="Athiti Medium" panose="00000600000000000000" pitchFamily="2" charset="-34"/>
+              </a:rPr>
+              <a:t>STOCK</a:t>
+            </a:r>
+          </a:p>
+        </p:txBody>
+      </p:sp>
+      <p:sp>
+        <p:nvSpPr>
+          <p:cNvPr id="12" name="Rechteck 11">
+            <a:extLst>
+              <a:ext uri="{FF2B5EF4-FFF2-40B4-BE49-F238E27FC236}">
+                <a16:creationId xmlns:a16="http://schemas.microsoft.com/office/drawing/2014/main" id="{758436C8-6EA4-E921-4221-8B1844995541}"/>
+              </a:ext>
+            </a:extLst>
+          </p:cNvPr>
+          <p:cNvSpPr/>
+          <p:nvPr/>
+        </p:nvSpPr>
+        <p:spPr>
+          <a:xfrm>
+            <a:off x="4580880" y="680103"/>
+            <a:ext cx="1293713" cy="673096"/>
+          </a:xfrm>
+          <a:prstGeom prst="rect">
+            <a:avLst/>
+          </a:prstGeom>
+          <a:noFill/>
+          <a:ln>
+            <a:gradFill>
+              <a:gsLst>
+                <a:gs pos="0">
+                  <a:schemeClr val="accent5"/>
+                </a:gs>
+                <a:gs pos="100000">
+                  <a:schemeClr val="accent4"/>
+                </a:gs>
+              </a:gsLst>
+              <a:lin ang="0" scaled="0"/>
+            </a:gradFill>
+          </a:ln>
+        </p:spPr>
+        <p:style>
+          <a:lnRef idx="2">
+            <a:schemeClr val="accent3">
+              <a:shade val="50000"/>
+            </a:schemeClr>
+          </a:lnRef>
+          <a:fillRef idx="1">
+            <a:schemeClr val="accent3"/>
+          </a:fillRef>
+          <a:effectRef idx="0">
+            <a:schemeClr val="accent3"/>
+          </a:effectRef>
+          <a:fontRef idx="minor">
+            <a:schemeClr val="lt1"/>
+          </a:fontRef>
+        </p:style>
+        <p:txBody>
+          <a:bodyPr rtlCol="0" anchor="ctr"/>
+          <a:lstStyle/>
+          <a:p>
+            <a:pPr algn="ctr"/>
+            <a:r>
+              <a:rPr lang="de-DE" sz="1400" dirty="0">
+                <a:solidFill>
+                  <a:schemeClr val="bg2"/>
+                </a:solidFill>
+                <a:latin typeface="Aldrich" panose="02000000000000000000" pitchFamily="2" charset="0"/>
+                <a:cs typeface="Athiti Medium" panose="00000600000000000000" pitchFamily="2" charset="-34"/>
+              </a:rPr>
+              <a:t>OSMOSIS</a:t>
+            </a:r>
+          </a:p>
+        </p:txBody>
+      </p:sp>
+      <p:sp>
+        <p:nvSpPr>
+          <p:cNvPr id="14" name="Rechteck 13">
+            <a:extLst>
+              <a:ext uri="{FF2B5EF4-FFF2-40B4-BE49-F238E27FC236}">
+                <a16:creationId xmlns:a16="http://schemas.microsoft.com/office/drawing/2014/main" id="{AA6F4654-C30F-763B-A429-A7D0359929E9}"/>
+              </a:ext>
+            </a:extLst>
+          </p:cNvPr>
+          <p:cNvSpPr/>
+          <p:nvPr/>
+        </p:nvSpPr>
+        <p:spPr>
+          <a:xfrm>
+            <a:off x="7063033" y="680103"/>
+            <a:ext cx="1293713" cy="673096"/>
+          </a:xfrm>
+          <a:prstGeom prst="rect">
+            <a:avLst/>
+          </a:prstGeom>
+          <a:noFill/>
+          <a:ln>
+            <a:gradFill>
+              <a:gsLst>
+                <a:gs pos="0">
+                  <a:schemeClr val="accent5"/>
+                </a:gs>
+                <a:gs pos="100000">
+                  <a:schemeClr val="accent4"/>
+                </a:gs>
+              </a:gsLst>
+              <a:lin ang="0" scaled="0"/>
+            </a:gradFill>
+          </a:ln>
+        </p:spPr>
+        <p:style>
+          <a:lnRef idx="2">
+            <a:schemeClr val="accent3">
+              <a:shade val="50000"/>
+            </a:schemeClr>
+          </a:lnRef>
+          <a:fillRef idx="1">
+            <a:schemeClr val="accent3"/>
+          </a:fillRef>
+          <a:effectRef idx="0">
+            <a:schemeClr val="accent3"/>
+          </a:effectRef>
+          <a:fontRef idx="minor">
+            <a:schemeClr val="lt1"/>
+          </a:fontRef>
+        </p:style>
+        <p:txBody>
+          <a:bodyPr rtlCol="0" anchor="ctr"/>
+          <a:lstStyle/>
+          <a:p>
+            <a:pPr algn="ctr"/>
+            <a:r>
+              <a:rPr lang="de-DE" sz="1400" dirty="0">
+                <a:solidFill>
+                  <a:schemeClr val="bg2"/>
+                </a:solidFill>
+                <a:latin typeface="Aldrich" panose="02000000000000000000" pitchFamily="2" charset="0"/>
+                <a:cs typeface="Athiti Medium" panose="00000600000000000000" pitchFamily="2" charset="-34"/>
+              </a:rPr>
+              <a:t>JUNO</a:t>
+            </a:r>
+          </a:p>
+        </p:txBody>
+      </p:sp>
+      <p:sp>
+        <p:nvSpPr>
+          <p:cNvPr id="15" name="Rechteck 14">
+            <a:extLst>
+              <a:ext uri="{FF2B5EF4-FFF2-40B4-BE49-F238E27FC236}">
+                <a16:creationId xmlns:a16="http://schemas.microsoft.com/office/drawing/2014/main" id="{D408E792-ABF3-4F2D-C86D-438051364797}"/>
+              </a:ext>
+            </a:extLst>
+          </p:cNvPr>
+          <p:cNvSpPr/>
+          <p:nvPr/>
+        </p:nvSpPr>
+        <p:spPr>
+          <a:xfrm>
+            <a:off x="9136953" y="2163656"/>
+            <a:ext cx="1293713" cy="673096"/>
+          </a:xfrm>
+          <a:prstGeom prst="rect">
+            <a:avLst/>
+          </a:prstGeom>
+          <a:noFill/>
+          <a:ln>
+            <a:gradFill>
+              <a:gsLst>
+                <a:gs pos="0">
+                  <a:schemeClr val="accent5"/>
+                </a:gs>
+                <a:gs pos="100000">
+                  <a:schemeClr val="accent4"/>
+                </a:gs>
+              </a:gsLst>
+              <a:lin ang="0" scaled="0"/>
+            </a:gradFill>
+          </a:ln>
+        </p:spPr>
+        <p:style>
+          <a:lnRef idx="2">
+            <a:schemeClr val="accent3">
+              <a:shade val="50000"/>
+            </a:schemeClr>
+          </a:lnRef>
+          <a:fillRef idx="1">
+            <a:schemeClr val="accent3"/>
+          </a:fillRef>
+          <a:effectRef idx="0">
+            <a:schemeClr val="accent3"/>
+          </a:effectRef>
+          <a:fontRef idx="minor">
+            <a:schemeClr val="lt1"/>
+          </a:fontRef>
+        </p:style>
+        <p:txBody>
+          <a:bodyPr rtlCol="0" anchor="ctr"/>
+          <a:lstStyle/>
+          <a:p>
+            <a:pPr algn="ctr"/>
+            <a:r>
+              <a:rPr lang="de-DE" sz="1400" dirty="0">
+                <a:solidFill>
+                  <a:schemeClr val="bg2"/>
+                </a:solidFill>
+                <a:latin typeface="Aldrich" panose="02000000000000000000" pitchFamily="2" charset="0"/>
+                <a:cs typeface="Athiti Medium" panose="00000600000000000000" pitchFamily="2" charset="-34"/>
+              </a:rPr>
+              <a:t>SECRET</a:t>
+            </a:r>
+          </a:p>
+        </p:txBody>
+      </p:sp>
+      <p:sp>
+        <p:nvSpPr>
+          <p:cNvPr id="17" name="Rechteck 16">
+            <a:extLst>
+              <a:ext uri="{FF2B5EF4-FFF2-40B4-BE49-F238E27FC236}">
+                <a16:creationId xmlns:a16="http://schemas.microsoft.com/office/drawing/2014/main" id="{66F2CFA3-8B35-6461-00F8-9415B15B5A52}"/>
+              </a:ext>
+            </a:extLst>
+          </p:cNvPr>
+          <p:cNvSpPr/>
+          <p:nvPr/>
+        </p:nvSpPr>
+        <p:spPr>
+          <a:xfrm>
+            <a:off x="9136953" y="4292650"/>
+            <a:ext cx="1293713" cy="673096"/>
+          </a:xfrm>
+          <a:prstGeom prst="rect">
+            <a:avLst/>
+          </a:prstGeom>
+          <a:noFill/>
+          <a:ln>
+            <a:gradFill>
+              <a:gsLst>
+                <a:gs pos="0">
+                  <a:schemeClr val="accent5"/>
+                </a:gs>
+                <a:gs pos="100000">
+                  <a:schemeClr val="accent4"/>
+                </a:gs>
+              </a:gsLst>
+              <a:lin ang="0" scaled="0"/>
+            </a:gradFill>
+          </a:ln>
+        </p:spPr>
+        <p:style>
+          <a:lnRef idx="2">
+            <a:schemeClr val="accent3">
+              <a:shade val="50000"/>
+            </a:schemeClr>
+          </a:lnRef>
+          <a:fillRef idx="1">
+            <a:schemeClr val="accent3"/>
+          </a:fillRef>
+          <a:effectRef idx="0">
+            <a:schemeClr val="accent3"/>
+          </a:effectRef>
+          <a:fontRef idx="minor">
+            <a:schemeClr val="lt1"/>
+          </a:fontRef>
+        </p:style>
+        <p:txBody>
+          <a:bodyPr rtlCol="0" anchor="ctr"/>
+          <a:lstStyle/>
+          <a:p>
+            <a:pPr algn="ctr"/>
+            <a:r>
+              <a:rPr lang="de-DE" sz="1400" dirty="0">
+                <a:solidFill>
+                  <a:schemeClr val="bg2"/>
+                </a:solidFill>
+                <a:latin typeface="Aldrich" panose="02000000000000000000" pitchFamily="2" charset="0"/>
+                <a:cs typeface="Athiti Medium" panose="00000600000000000000" pitchFamily="2" charset="-34"/>
+              </a:rPr>
+              <a:t>SEI</a:t>
+            </a:r>
+          </a:p>
+        </p:txBody>
+      </p:sp>
+      <p:sp>
+        <p:nvSpPr>
+          <p:cNvPr id="18" name="Rechteck 17">
+            <a:extLst>
+              <a:ext uri="{FF2B5EF4-FFF2-40B4-BE49-F238E27FC236}">
+                <a16:creationId xmlns:a16="http://schemas.microsoft.com/office/drawing/2014/main" id="{C886B353-04FC-9186-0F00-8B4D3DDE6CDC}"/>
+              </a:ext>
+            </a:extLst>
+          </p:cNvPr>
+          <p:cNvSpPr/>
+          <p:nvPr/>
+        </p:nvSpPr>
+        <p:spPr>
+          <a:xfrm>
+            <a:off x="7070373" y="5776848"/>
+            <a:ext cx="1293713" cy="673096"/>
+          </a:xfrm>
+          <a:prstGeom prst="rect">
+            <a:avLst/>
+          </a:prstGeom>
+          <a:noFill/>
+          <a:ln>
+            <a:gradFill>
+              <a:gsLst>
+                <a:gs pos="0">
+                  <a:schemeClr val="accent5"/>
+                </a:gs>
+                <a:gs pos="100000">
+                  <a:schemeClr val="accent4"/>
+                </a:gs>
+              </a:gsLst>
+              <a:lin ang="0" scaled="0"/>
+            </a:gradFill>
+          </a:ln>
+        </p:spPr>
+        <p:style>
+          <a:lnRef idx="2">
+            <a:schemeClr val="accent3">
+              <a:shade val="50000"/>
+            </a:schemeClr>
+          </a:lnRef>
+          <a:fillRef idx="1">
+            <a:schemeClr val="accent3"/>
+          </a:fillRef>
+          <a:effectRef idx="0">
+            <a:schemeClr val="accent3"/>
+          </a:effectRef>
+          <a:fontRef idx="minor">
+            <a:schemeClr val="lt1"/>
+          </a:fontRef>
+        </p:style>
+        <p:txBody>
+          <a:bodyPr rtlCol="0" anchor="ctr"/>
+          <a:lstStyle/>
+          <a:p>
+            <a:pPr algn="ctr"/>
+            <a:r>
+              <a:rPr lang="de-DE" sz="1400" dirty="0">
+                <a:solidFill>
+                  <a:schemeClr val="bg2"/>
+                </a:solidFill>
+                <a:latin typeface="Aldrich" panose="02000000000000000000" pitchFamily="2" charset="0"/>
+                <a:cs typeface="Athiti Medium" panose="00000600000000000000" pitchFamily="2" charset="-34"/>
+              </a:rPr>
+              <a:t>*</a:t>
+            </a:r>
+          </a:p>
+        </p:txBody>
+      </p:sp>
+      <p:sp>
+        <p:nvSpPr>
+          <p:cNvPr id="21" name="Rechteck 20">
+            <a:extLst>
+              <a:ext uri="{FF2B5EF4-FFF2-40B4-BE49-F238E27FC236}">
+                <a16:creationId xmlns:a16="http://schemas.microsoft.com/office/drawing/2014/main" id="{068889ED-E3CA-7B1C-D7F3-B19DAD5C0CD0}"/>
+              </a:ext>
+            </a:extLst>
+          </p:cNvPr>
+          <p:cNvSpPr/>
+          <p:nvPr/>
+        </p:nvSpPr>
+        <p:spPr>
+          <a:xfrm>
+            <a:off x="4580880" y="5776848"/>
+            <a:ext cx="1293713" cy="673096"/>
+          </a:xfrm>
+          <a:prstGeom prst="rect">
+            <a:avLst/>
+          </a:prstGeom>
+          <a:noFill/>
+          <a:ln>
+            <a:gradFill>
+              <a:gsLst>
+                <a:gs pos="0">
+                  <a:schemeClr val="accent5"/>
+                </a:gs>
+                <a:gs pos="100000">
+                  <a:schemeClr val="accent4"/>
+                </a:gs>
+              </a:gsLst>
+              <a:lin ang="0" scaled="0"/>
+            </a:gradFill>
+          </a:ln>
+        </p:spPr>
+        <p:style>
+          <a:lnRef idx="2">
+            <a:schemeClr val="accent3">
+              <a:shade val="50000"/>
+            </a:schemeClr>
+          </a:lnRef>
+          <a:fillRef idx="1">
+            <a:schemeClr val="accent3"/>
+          </a:fillRef>
+          <a:effectRef idx="0">
+            <a:schemeClr val="accent3"/>
+          </a:effectRef>
+          <a:fontRef idx="minor">
+            <a:schemeClr val="lt1"/>
+          </a:fontRef>
+        </p:style>
+        <p:txBody>
+          <a:bodyPr rtlCol="0" anchor="ctr"/>
+          <a:lstStyle/>
+          <a:p>
+            <a:pPr algn="ctr"/>
+            <a:r>
+              <a:rPr lang="de-DE" sz="1400" dirty="0">
+                <a:solidFill>
+                  <a:schemeClr val="bg2"/>
+                </a:solidFill>
+                <a:latin typeface="Aldrich" panose="02000000000000000000" pitchFamily="2" charset="0"/>
+                <a:cs typeface="Athiti Medium" panose="00000600000000000000" pitchFamily="2" charset="-34"/>
+              </a:rPr>
+              <a:t>EVMOS</a:t>
+            </a:r>
+          </a:p>
+        </p:txBody>
+      </p:sp>
+      <p:sp>
+        <p:nvSpPr>
+          <p:cNvPr id="22" name="Rechteck 21">
+            <a:extLst>
+              <a:ext uri="{FF2B5EF4-FFF2-40B4-BE49-F238E27FC236}">
+                <a16:creationId xmlns:a16="http://schemas.microsoft.com/office/drawing/2014/main" id="{4B897FA3-2BDC-B69F-66CF-7AC94738038C}"/>
+              </a:ext>
+            </a:extLst>
+          </p:cNvPr>
+          <p:cNvSpPr/>
+          <p:nvPr/>
+        </p:nvSpPr>
+        <p:spPr>
+          <a:xfrm>
+            <a:off x="5149549" y="2777254"/>
+            <a:ext cx="2629201" cy="1585195"/>
+          </a:xfrm>
+          <a:prstGeom prst="rect">
+            <a:avLst/>
+          </a:prstGeom>
+          <a:noFill/>
+          <a:ln>
+            <a:gradFill>
+              <a:gsLst>
+                <a:gs pos="0">
+                  <a:schemeClr val="accent5"/>
+                </a:gs>
+                <a:gs pos="100000">
+                  <a:schemeClr val="accent4"/>
+                </a:gs>
+              </a:gsLst>
+              <a:lin ang="0" scaled="0"/>
+            </a:gradFill>
+          </a:ln>
+        </p:spPr>
+        <p:style>
+          <a:lnRef idx="2">
+            <a:schemeClr val="accent3">
+              <a:shade val="50000"/>
+            </a:schemeClr>
+          </a:lnRef>
+          <a:fillRef idx="1">
+            <a:schemeClr val="accent3"/>
+          </a:fillRef>
+          <a:effectRef idx="0">
+            <a:schemeClr val="accent3"/>
+          </a:effectRef>
+          <a:fontRef idx="minor">
+            <a:schemeClr val="lt1"/>
+          </a:fontRef>
+        </p:style>
+        <p:txBody>
+          <a:bodyPr rtlCol="0" anchor="ctr"/>
+          <a:lstStyle/>
+          <a:p>
+            <a:pPr algn="ctr"/>
+            <a:endParaRPr lang="de-DE" sz="1400" dirty="0">
+              <a:solidFill>
+                <a:schemeClr val="bg2"/>
+              </a:solidFill>
+              <a:latin typeface="Aldrich" panose="02000000000000000000" pitchFamily="2" charset="0"/>
+              <a:cs typeface="Athiti Medium" panose="00000600000000000000" pitchFamily="2" charset="-34"/>
+            </a:endParaRPr>
+          </a:p>
+        </p:txBody>
+      </p:sp>
+      <p:sp>
+        <p:nvSpPr>
+          <p:cNvPr id="24" name="Rechteck 23">
+            <a:extLst>
+              <a:ext uri="{FF2B5EF4-FFF2-40B4-BE49-F238E27FC236}">
+                <a16:creationId xmlns:a16="http://schemas.microsoft.com/office/drawing/2014/main" id="{C7B7C7B8-0896-5AFA-F46B-188FBBC82058}"/>
+              </a:ext>
+            </a:extLst>
+          </p:cNvPr>
+          <p:cNvSpPr/>
+          <p:nvPr/>
+        </p:nvSpPr>
+        <p:spPr>
+          <a:xfrm>
+            <a:off x="2497633" y="4292650"/>
+            <a:ext cx="1293713" cy="673096"/>
+          </a:xfrm>
+          <a:prstGeom prst="rect">
+            <a:avLst/>
+          </a:prstGeom>
+          <a:noFill/>
+          <a:ln>
+            <a:gradFill>
+              <a:gsLst>
+                <a:gs pos="0">
+                  <a:schemeClr val="accent5"/>
+                </a:gs>
+                <a:gs pos="100000">
+                  <a:schemeClr val="accent4"/>
+                </a:gs>
+              </a:gsLst>
+              <a:lin ang="0" scaled="0"/>
+            </a:gradFill>
+          </a:ln>
+        </p:spPr>
+        <p:style>
+          <a:lnRef idx="2">
+            <a:schemeClr val="accent3">
+              <a:shade val="50000"/>
+            </a:schemeClr>
+          </a:lnRef>
+          <a:fillRef idx="1">
+            <a:schemeClr val="accent3"/>
+          </a:fillRef>
+          <a:effectRef idx="0">
+            <a:schemeClr val="accent3"/>
+          </a:effectRef>
+          <a:fontRef idx="minor">
+            <a:schemeClr val="lt1"/>
+          </a:fontRef>
+        </p:style>
+        <p:txBody>
+          <a:bodyPr rtlCol="0" anchor="ctr"/>
+          <a:lstStyle/>
+          <a:p>
+            <a:pPr algn="ctr"/>
+            <a:r>
+              <a:rPr lang="de-DE" sz="1400" dirty="0">
+                <a:solidFill>
+                  <a:schemeClr val="bg2"/>
+                </a:solidFill>
+                <a:latin typeface="Aldrich" panose="02000000000000000000" pitchFamily="2" charset="0"/>
+                <a:cs typeface="Athiti Medium" panose="00000600000000000000" pitchFamily="2" charset="-34"/>
+              </a:rPr>
+              <a:t>COSMOS HUB</a:t>
+            </a:r>
+          </a:p>
+        </p:txBody>
+      </p:sp>
+      <p:cxnSp>
+        <p:nvCxnSpPr>
+          <p:cNvPr id="26" name="Gerader Verbinder 25">
+            <a:extLst>
+              <a:ext uri="{FF2B5EF4-FFF2-40B4-BE49-F238E27FC236}">
+                <a16:creationId xmlns:a16="http://schemas.microsoft.com/office/drawing/2014/main" id="{D8AAE21F-92BF-8029-DBFA-F8A41B30A1E1}"/>
+              </a:ext>
+            </a:extLst>
+          </p:cNvPr>
+          <p:cNvCxnSpPr>
+            <a:stCxn id="21" idx="0"/>
+          </p:cNvCxnSpPr>
+          <p:nvPr/>
+        </p:nvCxnSpPr>
+        <p:spPr>
+          <a:xfrm flipV="1">
+            <a:off x="5227737" y="4362449"/>
+            <a:ext cx="783727" cy="1414399"/>
+          </a:xfrm>
+          <a:prstGeom prst="line">
+            <a:avLst/>
+          </a:prstGeom>
+          <a:ln>
+            <a:solidFill>
+              <a:schemeClr val="tx2">
+                <a:lumMod val="25000"/>
+                <a:lumOff val="75000"/>
+              </a:schemeClr>
+            </a:solidFill>
+          </a:ln>
+        </p:spPr>
+        <p:style>
+          <a:lnRef idx="1">
+            <a:schemeClr val="accent1"/>
+          </a:lnRef>
+          <a:fillRef idx="0">
+            <a:schemeClr val="accent1"/>
+          </a:fillRef>
+          <a:effectRef idx="0">
+            <a:schemeClr val="accent1"/>
+          </a:effectRef>
+          <a:fontRef idx="minor">
+            <a:schemeClr val="tx1"/>
+          </a:fontRef>
+        </p:style>
+      </p:cxnSp>
+      <p:cxnSp>
+        <p:nvCxnSpPr>
+          <p:cNvPr id="27" name="Gerader Verbinder 26">
+            <a:extLst>
+              <a:ext uri="{FF2B5EF4-FFF2-40B4-BE49-F238E27FC236}">
+                <a16:creationId xmlns:a16="http://schemas.microsoft.com/office/drawing/2014/main" id="{BBD74C92-1D96-E353-2792-33A5681D94BE}"/>
+              </a:ext>
+            </a:extLst>
+          </p:cNvPr>
+          <p:cNvCxnSpPr>
+            <a:cxnSpLocks/>
+            <a:stCxn id="18" idx="0"/>
+          </p:cNvCxnSpPr>
+          <p:nvPr/>
+        </p:nvCxnSpPr>
+        <p:spPr>
+          <a:xfrm flipH="1" flipV="1">
+            <a:off x="6926163" y="4360100"/>
+            <a:ext cx="791067" cy="1416748"/>
+          </a:xfrm>
+          <a:prstGeom prst="line">
+            <a:avLst/>
+          </a:prstGeom>
+          <a:ln>
+            <a:solidFill>
+              <a:schemeClr val="tx2">
+                <a:lumMod val="25000"/>
+                <a:lumOff val="75000"/>
+              </a:schemeClr>
+            </a:solidFill>
+          </a:ln>
+        </p:spPr>
+        <p:style>
+          <a:lnRef idx="1">
+            <a:schemeClr val="accent1"/>
+          </a:lnRef>
+          <a:fillRef idx="0">
+            <a:schemeClr val="accent1"/>
+          </a:fillRef>
+          <a:effectRef idx="0">
+            <a:schemeClr val="accent1"/>
+          </a:effectRef>
+          <a:fontRef idx="minor">
+            <a:schemeClr val="tx1"/>
+          </a:fontRef>
+        </p:style>
+      </p:cxnSp>
+      <p:cxnSp>
+        <p:nvCxnSpPr>
+          <p:cNvPr id="30" name="Gerader Verbinder 29">
+            <a:extLst>
+              <a:ext uri="{FF2B5EF4-FFF2-40B4-BE49-F238E27FC236}">
+                <a16:creationId xmlns:a16="http://schemas.microsoft.com/office/drawing/2014/main" id="{E136523F-D3E9-8EEB-E865-284CF03087A6}"/>
+              </a:ext>
+            </a:extLst>
+          </p:cNvPr>
+          <p:cNvCxnSpPr>
+            <a:cxnSpLocks/>
+            <a:stCxn id="24" idx="3"/>
+          </p:cNvCxnSpPr>
+          <p:nvPr/>
+        </p:nvCxnSpPr>
+        <p:spPr>
+          <a:xfrm flipV="1">
+            <a:off x="3791346" y="3968698"/>
+            <a:ext cx="1358203" cy="660500"/>
+          </a:xfrm>
+          <a:prstGeom prst="line">
+            <a:avLst/>
+          </a:prstGeom>
+          <a:ln>
+            <a:solidFill>
+              <a:schemeClr val="tx2">
+                <a:lumMod val="25000"/>
+                <a:lumOff val="75000"/>
+              </a:schemeClr>
+            </a:solidFill>
+          </a:ln>
+        </p:spPr>
+        <p:style>
+          <a:lnRef idx="1">
+            <a:schemeClr val="accent1"/>
+          </a:lnRef>
+          <a:fillRef idx="0">
+            <a:schemeClr val="accent1"/>
+          </a:fillRef>
+          <a:effectRef idx="0">
+            <a:schemeClr val="accent1"/>
+          </a:effectRef>
+          <a:fontRef idx="minor">
+            <a:schemeClr val="tx1"/>
+          </a:fontRef>
+        </p:style>
+      </p:cxnSp>
+      <p:cxnSp>
+        <p:nvCxnSpPr>
+          <p:cNvPr id="33" name="Gerader Verbinder 32">
+            <a:extLst>
+              <a:ext uri="{FF2B5EF4-FFF2-40B4-BE49-F238E27FC236}">
+                <a16:creationId xmlns:a16="http://schemas.microsoft.com/office/drawing/2014/main" id="{20D58EFF-41B8-3F0E-FDEF-E9853CB97E15}"/>
+              </a:ext>
+            </a:extLst>
+          </p:cNvPr>
+          <p:cNvCxnSpPr>
+            <a:cxnSpLocks/>
+            <a:stCxn id="17" idx="1"/>
+          </p:cNvCxnSpPr>
+          <p:nvPr/>
+        </p:nvCxnSpPr>
+        <p:spPr>
+          <a:xfrm flipH="1" flipV="1">
+            <a:off x="7778750" y="3958395"/>
+            <a:ext cx="1358203" cy="670803"/>
+          </a:xfrm>
+          <a:prstGeom prst="line">
+            <a:avLst/>
+          </a:prstGeom>
+          <a:ln>
+            <a:solidFill>
+              <a:schemeClr val="tx2">
+                <a:lumMod val="25000"/>
+                <a:lumOff val="75000"/>
+              </a:schemeClr>
+            </a:solidFill>
+          </a:ln>
+        </p:spPr>
+        <p:style>
+          <a:lnRef idx="1">
+            <a:schemeClr val="accent1"/>
+          </a:lnRef>
+          <a:fillRef idx="0">
+            <a:schemeClr val="accent1"/>
+          </a:fillRef>
+          <a:effectRef idx="0">
+            <a:schemeClr val="accent1"/>
+          </a:effectRef>
+          <a:fontRef idx="minor">
+            <a:schemeClr val="tx1"/>
+          </a:fontRef>
+        </p:style>
+      </p:cxnSp>
+      <p:cxnSp>
+        <p:nvCxnSpPr>
+          <p:cNvPr id="40" name="Gerader Verbinder 39">
+            <a:extLst>
+              <a:ext uri="{FF2B5EF4-FFF2-40B4-BE49-F238E27FC236}">
+                <a16:creationId xmlns:a16="http://schemas.microsoft.com/office/drawing/2014/main" id="{324A5C10-FF44-349E-CD4E-6DE29DCAE096}"/>
+              </a:ext>
+            </a:extLst>
+          </p:cNvPr>
+          <p:cNvCxnSpPr>
+            <a:cxnSpLocks/>
+            <a:stCxn id="3" idx="3"/>
+          </p:cNvCxnSpPr>
+          <p:nvPr/>
+        </p:nvCxnSpPr>
+        <p:spPr>
+          <a:xfrm>
+            <a:off x="3794324" y="2500204"/>
+            <a:ext cx="1355225" cy="820023"/>
+          </a:xfrm>
+          <a:prstGeom prst="line">
+            <a:avLst/>
+          </a:prstGeom>
+          <a:ln>
+            <a:solidFill>
+              <a:schemeClr val="tx2">
+                <a:lumMod val="25000"/>
+                <a:lumOff val="75000"/>
+              </a:schemeClr>
+            </a:solidFill>
+          </a:ln>
+        </p:spPr>
+        <p:style>
+          <a:lnRef idx="1">
+            <a:schemeClr val="accent1"/>
+          </a:lnRef>
+          <a:fillRef idx="0">
+            <a:schemeClr val="accent1"/>
+          </a:fillRef>
+          <a:effectRef idx="0">
+            <a:schemeClr val="accent1"/>
+          </a:effectRef>
+          <a:fontRef idx="minor">
+            <a:schemeClr val="tx1"/>
+          </a:fontRef>
+        </p:style>
+      </p:cxnSp>
+      <p:cxnSp>
+        <p:nvCxnSpPr>
+          <p:cNvPr id="43" name="Gerader Verbinder 42">
+            <a:extLst>
+              <a:ext uri="{FF2B5EF4-FFF2-40B4-BE49-F238E27FC236}">
+                <a16:creationId xmlns:a16="http://schemas.microsoft.com/office/drawing/2014/main" id="{6C960BC2-73FB-A063-E3C1-59D84B99EE24}"/>
+              </a:ext>
+            </a:extLst>
+          </p:cNvPr>
+          <p:cNvCxnSpPr>
+            <a:cxnSpLocks/>
+            <a:stCxn id="15" idx="1"/>
+          </p:cNvCxnSpPr>
+          <p:nvPr/>
+        </p:nvCxnSpPr>
+        <p:spPr>
+          <a:xfrm flipH="1">
+            <a:off x="7778750" y="2500204"/>
+            <a:ext cx="1358203" cy="843193"/>
+          </a:xfrm>
+          <a:prstGeom prst="line">
+            <a:avLst/>
+          </a:prstGeom>
+          <a:ln>
+            <a:solidFill>
+              <a:schemeClr val="tx2">
+                <a:lumMod val="25000"/>
+                <a:lumOff val="75000"/>
+              </a:schemeClr>
+            </a:solidFill>
+          </a:ln>
+        </p:spPr>
+        <p:style>
+          <a:lnRef idx="1">
+            <a:schemeClr val="accent1"/>
+          </a:lnRef>
+          <a:fillRef idx="0">
+            <a:schemeClr val="accent1"/>
+          </a:fillRef>
+          <a:effectRef idx="0">
+            <a:schemeClr val="accent1"/>
+          </a:effectRef>
+          <a:fontRef idx="minor">
+            <a:schemeClr val="tx1"/>
+          </a:fontRef>
+        </p:style>
+      </p:cxnSp>
+      <p:cxnSp>
+        <p:nvCxnSpPr>
+          <p:cNvPr id="51" name="Gerader Verbinder 50">
+            <a:extLst>
+              <a:ext uri="{FF2B5EF4-FFF2-40B4-BE49-F238E27FC236}">
+                <a16:creationId xmlns:a16="http://schemas.microsoft.com/office/drawing/2014/main" id="{342A5C5F-0EB6-9B18-204B-395C6846879F}"/>
+              </a:ext>
+            </a:extLst>
+          </p:cNvPr>
+          <p:cNvCxnSpPr>
+            <a:cxnSpLocks/>
+            <a:stCxn id="12" idx="2"/>
+          </p:cNvCxnSpPr>
+          <p:nvPr/>
+        </p:nvCxnSpPr>
+        <p:spPr>
+          <a:xfrm>
+            <a:off x="5227737" y="1353199"/>
+            <a:ext cx="783727" cy="1409308"/>
+          </a:xfrm>
+          <a:prstGeom prst="line">
+            <a:avLst/>
+          </a:prstGeom>
+          <a:ln>
+            <a:solidFill>
+              <a:schemeClr val="tx2">
+                <a:lumMod val="25000"/>
+                <a:lumOff val="75000"/>
+              </a:schemeClr>
+            </a:solidFill>
+          </a:ln>
+        </p:spPr>
+        <p:style>
+          <a:lnRef idx="1">
+            <a:schemeClr val="accent1"/>
+          </a:lnRef>
+          <a:fillRef idx="0">
+            <a:schemeClr val="accent1"/>
+          </a:fillRef>
+          <a:effectRef idx="0">
+            <a:schemeClr val="accent1"/>
+          </a:effectRef>
+          <a:fontRef idx="minor">
+            <a:schemeClr val="tx1"/>
+          </a:fontRef>
+        </p:style>
+      </p:cxnSp>
+      <p:cxnSp>
+        <p:nvCxnSpPr>
+          <p:cNvPr id="54" name="Gerader Verbinder 53">
+            <a:extLst>
+              <a:ext uri="{FF2B5EF4-FFF2-40B4-BE49-F238E27FC236}">
+                <a16:creationId xmlns:a16="http://schemas.microsoft.com/office/drawing/2014/main" id="{0598BF89-9B37-E04C-B84C-BA7284AF1940}"/>
+              </a:ext>
+            </a:extLst>
+          </p:cNvPr>
+          <p:cNvCxnSpPr>
+            <a:cxnSpLocks/>
+            <a:stCxn id="14" idx="2"/>
+          </p:cNvCxnSpPr>
+          <p:nvPr/>
+        </p:nvCxnSpPr>
+        <p:spPr>
+          <a:xfrm flipH="1">
+            <a:off x="6926162" y="1353199"/>
+            <a:ext cx="783728" cy="1424055"/>
+          </a:xfrm>
+          <a:prstGeom prst="line">
+            <a:avLst/>
+          </a:prstGeom>
+          <a:ln>
+            <a:solidFill>
+              <a:schemeClr val="tx2">
+                <a:lumMod val="25000"/>
+                <a:lumOff val="75000"/>
+              </a:schemeClr>
+            </a:solidFill>
+          </a:ln>
+        </p:spPr>
+        <p:style>
+          <a:lnRef idx="1">
+            <a:schemeClr val="accent1"/>
+          </a:lnRef>
+          <a:fillRef idx="0">
+            <a:schemeClr val="accent1"/>
+          </a:fillRef>
+          <a:effectRef idx="0">
+            <a:schemeClr val="accent1"/>
+          </a:effectRef>
+          <a:fontRef idx="minor">
+            <a:schemeClr val="tx1"/>
+          </a:fontRef>
+        </p:style>
+      </p:cxnSp>
+      <p:sp>
+        <p:nvSpPr>
+          <p:cNvPr id="59" name="Textfeld 58">
+            <a:extLst>
+              <a:ext uri="{FF2B5EF4-FFF2-40B4-BE49-F238E27FC236}">
+                <a16:creationId xmlns:a16="http://schemas.microsoft.com/office/drawing/2014/main" id="{6A7E1C0E-E4CB-DF3B-4EFE-BF0DB2DD55F9}"/>
+              </a:ext>
+            </a:extLst>
+          </p:cNvPr>
+          <p:cNvSpPr txBox="1"/>
+          <p:nvPr/>
+        </p:nvSpPr>
+        <p:spPr>
+          <a:xfrm>
+            <a:off x="2632070" y="3073364"/>
+            <a:ext cx="2861945" cy="261610"/>
+          </a:xfrm>
+          <a:prstGeom prst="rect">
+            <a:avLst/>
+          </a:prstGeom>
+          <a:noFill/>
+        </p:spPr>
+        <p:txBody>
+          <a:bodyPr wrap="square" rtlCol="0">
+            <a:spAutoFit/>
+          </a:bodyPr>
+          <a:lstStyle/>
+          <a:p>
+            <a:pPr algn="ctr"/>
+            <a:r>
+              <a:rPr lang="de-DE" sz="1100" dirty="0" err="1">
+                <a:solidFill>
+                  <a:schemeClr val="bg2"/>
+                </a:solidFill>
+                <a:latin typeface="Athiti Medium" panose="00000600000000000000" pitchFamily="2" charset="-34"/>
+                <a:cs typeface="Athiti Medium" panose="00000600000000000000" pitchFamily="2" charset="-34"/>
+              </a:rPr>
+              <a:t>ampKUJI</a:t>
+            </a:r>
+            <a:r>
+              <a:rPr lang="de-DE" sz="1100" dirty="0">
+                <a:solidFill>
+                  <a:schemeClr val="bg2"/>
+                </a:solidFill>
+                <a:latin typeface="Athiti Medium" panose="00000600000000000000" pitchFamily="2" charset="-34"/>
+                <a:cs typeface="Athiti Medium" panose="00000600000000000000" pitchFamily="2" charset="-34"/>
+              </a:rPr>
+              <a:t> / </a:t>
+            </a:r>
+            <a:r>
+              <a:rPr lang="de-DE" sz="1100" dirty="0" err="1">
+                <a:solidFill>
+                  <a:schemeClr val="bg2"/>
+                </a:solidFill>
+                <a:latin typeface="Athiti Medium" panose="00000600000000000000" pitchFamily="2" charset="-34"/>
+                <a:cs typeface="Athiti Medium" panose="00000600000000000000" pitchFamily="2" charset="-34"/>
+              </a:rPr>
+              <a:t>ampLUNA</a:t>
+            </a:r>
+            <a:endParaRPr lang="de-DE" sz="1100" dirty="0">
+              <a:solidFill>
+                <a:schemeClr val="bg2"/>
+              </a:solidFill>
+              <a:latin typeface="Athiti Medium" panose="00000600000000000000" pitchFamily="2" charset="-34"/>
+              <a:cs typeface="Athiti Medium" panose="00000600000000000000" pitchFamily="2" charset="-34"/>
+            </a:endParaRPr>
+          </a:p>
+        </p:txBody>
+      </p:sp>
+      <p:sp>
+        <p:nvSpPr>
+          <p:cNvPr id="60" name="Textfeld 59">
+            <a:extLst>
+              <a:ext uri="{FF2B5EF4-FFF2-40B4-BE49-F238E27FC236}">
+                <a16:creationId xmlns:a16="http://schemas.microsoft.com/office/drawing/2014/main" id="{A2906ED8-FAD6-ED88-6D29-025829AF5CBF}"/>
+              </a:ext>
+            </a:extLst>
+          </p:cNvPr>
+          <p:cNvSpPr txBox="1"/>
+          <p:nvPr/>
+        </p:nvSpPr>
+        <p:spPr>
+          <a:xfrm>
+            <a:off x="2593970" y="3794428"/>
+            <a:ext cx="2861945" cy="261610"/>
+          </a:xfrm>
+          <a:prstGeom prst="rect">
+            <a:avLst/>
+          </a:prstGeom>
+          <a:noFill/>
+        </p:spPr>
+        <p:txBody>
+          <a:bodyPr wrap="square" rtlCol="0">
+            <a:spAutoFit/>
+          </a:bodyPr>
+          <a:lstStyle/>
+          <a:p>
+            <a:pPr algn="ctr"/>
+            <a:r>
+              <a:rPr lang="de-DE" sz="1100" dirty="0" err="1">
+                <a:solidFill>
+                  <a:schemeClr val="bg2"/>
+                </a:solidFill>
+                <a:latin typeface="Athiti Medium" panose="00000600000000000000" pitchFamily="2" charset="-34"/>
+                <a:cs typeface="Athiti Medium" panose="00000600000000000000" pitchFamily="2" charset="-34"/>
+              </a:rPr>
+              <a:t>ampATOM</a:t>
+            </a:r>
+            <a:r>
+              <a:rPr lang="de-DE" sz="1100" dirty="0">
+                <a:solidFill>
+                  <a:schemeClr val="bg2"/>
+                </a:solidFill>
+                <a:latin typeface="Athiti Medium" panose="00000600000000000000" pitchFamily="2" charset="-34"/>
+                <a:cs typeface="Athiti Medium" panose="00000600000000000000" pitchFamily="2" charset="-34"/>
+              </a:rPr>
+              <a:t> / </a:t>
+            </a:r>
+            <a:r>
+              <a:rPr lang="de-DE" sz="1100" dirty="0" err="1">
+                <a:solidFill>
+                  <a:schemeClr val="bg2"/>
+                </a:solidFill>
+                <a:latin typeface="Athiti Medium" panose="00000600000000000000" pitchFamily="2" charset="-34"/>
+                <a:cs typeface="Athiti Medium" panose="00000600000000000000" pitchFamily="2" charset="-34"/>
+              </a:rPr>
+              <a:t>ampLUNA</a:t>
+            </a:r>
+            <a:endParaRPr lang="de-DE" sz="1100" dirty="0">
+              <a:solidFill>
+                <a:schemeClr val="bg2"/>
+              </a:solidFill>
+              <a:latin typeface="Athiti Medium" panose="00000600000000000000" pitchFamily="2" charset="-34"/>
+              <a:cs typeface="Athiti Medium" panose="00000600000000000000" pitchFamily="2" charset="-34"/>
+            </a:endParaRPr>
+          </a:p>
+        </p:txBody>
+      </p:sp>
+      <p:sp>
+        <p:nvSpPr>
+          <p:cNvPr id="61" name="Textfeld 60">
+            <a:extLst>
+              <a:ext uri="{FF2B5EF4-FFF2-40B4-BE49-F238E27FC236}">
+                <a16:creationId xmlns:a16="http://schemas.microsoft.com/office/drawing/2014/main" id="{FA6CB8E0-5595-FD9A-F231-4CC6F812A6DD}"/>
+              </a:ext>
+            </a:extLst>
+          </p:cNvPr>
+          <p:cNvSpPr txBox="1"/>
+          <p:nvPr/>
+        </p:nvSpPr>
+        <p:spPr>
+          <a:xfrm>
+            <a:off x="7556204" y="3802250"/>
+            <a:ext cx="2861945" cy="261610"/>
+          </a:xfrm>
+          <a:prstGeom prst="rect">
+            <a:avLst/>
+          </a:prstGeom>
+          <a:noFill/>
+        </p:spPr>
+        <p:txBody>
+          <a:bodyPr wrap="square" rtlCol="0">
+            <a:spAutoFit/>
+          </a:bodyPr>
+          <a:lstStyle/>
+          <a:p>
+            <a:pPr algn="ctr"/>
+            <a:r>
+              <a:rPr lang="de-DE" sz="1100" dirty="0" err="1">
+                <a:solidFill>
+                  <a:schemeClr val="bg2"/>
+                </a:solidFill>
+                <a:latin typeface="Athiti Medium" panose="00000600000000000000" pitchFamily="2" charset="-34"/>
+                <a:cs typeface="Athiti Medium" panose="00000600000000000000" pitchFamily="2" charset="-34"/>
+              </a:rPr>
+              <a:t>ampSEI</a:t>
+            </a:r>
+            <a:r>
+              <a:rPr lang="de-DE" sz="1100" dirty="0">
+                <a:solidFill>
+                  <a:schemeClr val="bg2"/>
+                </a:solidFill>
+                <a:latin typeface="Athiti Medium" panose="00000600000000000000" pitchFamily="2" charset="-34"/>
+                <a:cs typeface="Athiti Medium" panose="00000600000000000000" pitchFamily="2" charset="-34"/>
+              </a:rPr>
+              <a:t> / </a:t>
+            </a:r>
+            <a:r>
+              <a:rPr lang="de-DE" sz="1100" dirty="0" err="1">
+                <a:solidFill>
+                  <a:schemeClr val="bg2"/>
+                </a:solidFill>
+                <a:latin typeface="Athiti Medium" panose="00000600000000000000" pitchFamily="2" charset="-34"/>
+                <a:cs typeface="Athiti Medium" panose="00000600000000000000" pitchFamily="2" charset="-34"/>
+              </a:rPr>
+              <a:t>ampLUNA</a:t>
+            </a:r>
+            <a:endParaRPr lang="de-DE" sz="1100" dirty="0">
+              <a:solidFill>
+                <a:schemeClr val="bg2"/>
+              </a:solidFill>
+              <a:latin typeface="Athiti Medium" panose="00000600000000000000" pitchFamily="2" charset="-34"/>
+              <a:cs typeface="Athiti Medium" panose="00000600000000000000" pitchFamily="2" charset="-34"/>
+            </a:endParaRPr>
+          </a:p>
+        </p:txBody>
+      </p:sp>
+      <p:sp>
+        <p:nvSpPr>
+          <p:cNvPr id="62" name="Textfeld 61">
+            <a:extLst>
+              <a:ext uri="{FF2B5EF4-FFF2-40B4-BE49-F238E27FC236}">
+                <a16:creationId xmlns:a16="http://schemas.microsoft.com/office/drawing/2014/main" id="{A52CADF8-4316-AF8E-CA7D-7238F33D1B54}"/>
+              </a:ext>
+            </a:extLst>
+          </p:cNvPr>
+          <p:cNvSpPr txBox="1"/>
+          <p:nvPr/>
+        </p:nvSpPr>
+        <p:spPr>
+          <a:xfrm>
+            <a:off x="3319009" y="5048898"/>
+            <a:ext cx="2861945" cy="261610"/>
+          </a:xfrm>
+          <a:prstGeom prst="rect">
+            <a:avLst/>
+          </a:prstGeom>
+          <a:noFill/>
+        </p:spPr>
+        <p:txBody>
+          <a:bodyPr wrap="square" rtlCol="0">
+            <a:spAutoFit/>
+          </a:bodyPr>
+          <a:lstStyle/>
+          <a:p>
+            <a:pPr algn="ctr"/>
+            <a:r>
+              <a:rPr lang="de-DE" sz="1100" dirty="0" err="1">
+                <a:solidFill>
+                  <a:schemeClr val="bg2"/>
+                </a:solidFill>
+                <a:latin typeface="Athiti Medium" panose="00000600000000000000" pitchFamily="2" charset="-34"/>
+                <a:cs typeface="Athiti Medium" panose="00000600000000000000" pitchFamily="2" charset="-34"/>
+              </a:rPr>
+              <a:t>ampEVMOS</a:t>
+            </a:r>
+            <a:r>
+              <a:rPr lang="de-DE" sz="1100" dirty="0">
+                <a:solidFill>
+                  <a:schemeClr val="bg2"/>
+                </a:solidFill>
+                <a:latin typeface="Athiti Medium" panose="00000600000000000000" pitchFamily="2" charset="-34"/>
+                <a:cs typeface="Athiti Medium" panose="00000600000000000000" pitchFamily="2" charset="-34"/>
+              </a:rPr>
+              <a:t> / </a:t>
+            </a:r>
+            <a:r>
+              <a:rPr lang="de-DE" sz="1100" dirty="0" err="1">
+                <a:solidFill>
+                  <a:schemeClr val="bg2"/>
+                </a:solidFill>
+                <a:latin typeface="Athiti Medium" panose="00000600000000000000" pitchFamily="2" charset="-34"/>
+                <a:cs typeface="Athiti Medium" panose="00000600000000000000" pitchFamily="2" charset="-34"/>
+              </a:rPr>
+              <a:t>ampLUNA</a:t>
+            </a:r>
+            <a:endParaRPr lang="de-DE" sz="1100" dirty="0">
+              <a:solidFill>
+                <a:schemeClr val="bg2"/>
+              </a:solidFill>
+              <a:latin typeface="Athiti Medium" panose="00000600000000000000" pitchFamily="2" charset="-34"/>
+              <a:cs typeface="Athiti Medium" panose="00000600000000000000" pitchFamily="2" charset="-34"/>
+            </a:endParaRPr>
+          </a:p>
+        </p:txBody>
+      </p:sp>
+      <p:sp>
+        <p:nvSpPr>
+          <p:cNvPr id="64" name="Textfeld 63">
+            <a:extLst>
+              <a:ext uri="{FF2B5EF4-FFF2-40B4-BE49-F238E27FC236}">
+                <a16:creationId xmlns:a16="http://schemas.microsoft.com/office/drawing/2014/main" id="{B5962E58-27C2-F06E-CEF9-44B895E93336}"/>
+              </a:ext>
+            </a:extLst>
+          </p:cNvPr>
+          <p:cNvSpPr txBox="1"/>
+          <p:nvPr/>
+        </p:nvSpPr>
+        <p:spPr>
+          <a:xfrm>
+            <a:off x="7434283" y="3241818"/>
+            <a:ext cx="2861945" cy="261610"/>
+          </a:xfrm>
+          <a:prstGeom prst="rect">
+            <a:avLst/>
+          </a:prstGeom>
+          <a:noFill/>
+        </p:spPr>
+        <p:txBody>
+          <a:bodyPr wrap="square" rtlCol="0">
+            <a:spAutoFit/>
+          </a:bodyPr>
+          <a:lstStyle/>
+          <a:p>
+            <a:pPr algn="ctr"/>
+            <a:r>
+              <a:rPr lang="de-DE" sz="1100" dirty="0" err="1">
+                <a:solidFill>
+                  <a:schemeClr val="bg2"/>
+                </a:solidFill>
+                <a:latin typeface="Athiti Medium" panose="00000600000000000000" pitchFamily="2" charset="-34"/>
+                <a:cs typeface="Athiti Medium" panose="00000600000000000000" pitchFamily="2" charset="-34"/>
+              </a:rPr>
+              <a:t>ampSECRET</a:t>
+            </a:r>
+            <a:r>
+              <a:rPr lang="de-DE" sz="1100" dirty="0">
+                <a:solidFill>
+                  <a:schemeClr val="bg2"/>
+                </a:solidFill>
+                <a:latin typeface="Athiti Medium" panose="00000600000000000000" pitchFamily="2" charset="-34"/>
+                <a:cs typeface="Athiti Medium" panose="00000600000000000000" pitchFamily="2" charset="-34"/>
+              </a:rPr>
+              <a:t> / </a:t>
+            </a:r>
+            <a:r>
+              <a:rPr lang="de-DE" sz="1100" dirty="0" err="1">
+                <a:solidFill>
+                  <a:schemeClr val="bg2"/>
+                </a:solidFill>
+                <a:latin typeface="Athiti Medium" panose="00000600000000000000" pitchFamily="2" charset="-34"/>
+                <a:cs typeface="Athiti Medium" panose="00000600000000000000" pitchFamily="2" charset="-34"/>
+              </a:rPr>
+              <a:t>ampLUNA</a:t>
+            </a:r>
+            <a:endParaRPr lang="de-DE" sz="1100" dirty="0">
+              <a:solidFill>
+                <a:schemeClr val="bg2"/>
+              </a:solidFill>
+              <a:latin typeface="Athiti Medium" panose="00000600000000000000" pitchFamily="2" charset="-34"/>
+              <a:cs typeface="Athiti Medium" panose="00000600000000000000" pitchFamily="2" charset="-34"/>
+            </a:endParaRPr>
+          </a:p>
+        </p:txBody>
+      </p:sp>
+      <p:sp>
+        <p:nvSpPr>
+          <p:cNvPr id="66" name="Textfeld 65">
+            <a:extLst>
+              <a:ext uri="{FF2B5EF4-FFF2-40B4-BE49-F238E27FC236}">
+                <a16:creationId xmlns:a16="http://schemas.microsoft.com/office/drawing/2014/main" id="{AB4614F7-DDEC-202F-88DA-866E683450FD}"/>
+              </a:ext>
+            </a:extLst>
+          </p:cNvPr>
+          <p:cNvSpPr txBox="1"/>
+          <p:nvPr/>
+        </p:nvSpPr>
+        <p:spPr>
+          <a:xfrm>
+            <a:off x="6921864" y="5048898"/>
+            <a:ext cx="2861945" cy="261610"/>
+          </a:xfrm>
+          <a:prstGeom prst="rect">
+            <a:avLst/>
+          </a:prstGeom>
+          <a:noFill/>
+        </p:spPr>
+        <p:txBody>
+          <a:bodyPr wrap="square" rtlCol="0">
+            <a:spAutoFit/>
+          </a:bodyPr>
+          <a:lstStyle/>
+          <a:p>
+            <a:pPr algn="ctr"/>
+            <a:r>
+              <a:rPr lang="de-DE" sz="1100" dirty="0" err="1">
+                <a:solidFill>
+                  <a:schemeClr val="bg2"/>
+                </a:solidFill>
+                <a:latin typeface="Athiti Medium" panose="00000600000000000000" pitchFamily="2" charset="-34"/>
+                <a:cs typeface="Athiti Medium" panose="00000600000000000000" pitchFamily="2" charset="-34"/>
+              </a:rPr>
+              <a:t>amp</a:t>
+            </a:r>
+            <a:r>
+              <a:rPr lang="de-DE" sz="1100" dirty="0">
+                <a:solidFill>
+                  <a:schemeClr val="bg2"/>
+                </a:solidFill>
+                <a:latin typeface="Athiti Medium" panose="00000600000000000000" pitchFamily="2" charset="-34"/>
+                <a:cs typeface="Athiti Medium" panose="00000600000000000000" pitchFamily="2" charset="-34"/>
+              </a:rPr>
+              <a:t>[TOKEN] / </a:t>
+            </a:r>
+            <a:r>
+              <a:rPr lang="de-DE" sz="1100" dirty="0" err="1">
+                <a:solidFill>
+                  <a:schemeClr val="bg2"/>
+                </a:solidFill>
+                <a:latin typeface="Athiti Medium" panose="00000600000000000000" pitchFamily="2" charset="-34"/>
+                <a:cs typeface="Athiti Medium" panose="00000600000000000000" pitchFamily="2" charset="-34"/>
+              </a:rPr>
+              <a:t>ampLUNA</a:t>
+            </a:r>
+            <a:endParaRPr lang="de-DE" sz="1100" dirty="0">
+              <a:solidFill>
+                <a:schemeClr val="bg2"/>
+              </a:solidFill>
+              <a:latin typeface="Athiti Medium" panose="00000600000000000000" pitchFamily="2" charset="-34"/>
+              <a:cs typeface="Athiti Medium" panose="00000600000000000000" pitchFamily="2" charset="-34"/>
+            </a:endParaRPr>
+          </a:p>
+        </p:txBody>
+      </p:sp>
+      <p:sp>
+        <p:nvSpPr>
+          <p:cNvPr id="67" name="Textfeld 66">
+            <a:extLst>
+              <a:ext uri="{FF2B5EF4-FFF2-40B4-BE49-F238E27FC236}">
+                <a16:creationId xmlns:a16="http://schemas.microsoft.com/office/drawing/2014/main" id="{ED462D1F-B794-A768-F171-7948C7727845}"/>
+              </a:ext>
+            </a:extLst>
+          </p:cNvPr>
+          <p:cNvSpPr txBox="1"/>
+          <p:nvPr/>
+        </p:nvSpPr>
+        <p:spPr>
+          <a:xfrm>
+            <a:off x="6955539" y="1633353"/>
+            <a:ext cx="2861945" cy="261610"/>
+          </a:xfrm>
+          <a:prstGeom prst="rect">
+            <a:avLst/>
+          </a:prstGeom>
+          <a:noFill/>
+        </p:spPr>
+        <p:txBody>
+          <a:bodyPr wrap="square" rtlCol="0">
+            <a:spAutoFit/>
+          </a:bodyPr>
+          <a:lstStyle/>
+          <a:p>
+            <a:pPr algn="ctr"/>
+            <a:r>
+              <a:rPr lang="de-DE" sz="1100" dirty="0" err="1">
+                <a:solidFill>
+                  <a:schemeClr val="bg2"/>
+                </a:solidFill>
+                <a:latin typeface="Athiti Medium" panose="00000600000000000000" pitchFamily="2" charset="-34"/>
+                <a:cs typeface="Athiti Medium" panose="00000600000000000000" pitchFamily="2" charset="-34"/>
+              </a:rPr>
+              <a:t>ampJUNO</a:t>
+            </a:r>
+            <a:r>
+              <a:rPr lang="de-DE" sz="1100" dirty="0">
+                <a:solidFill>
+                  <a:schemeClr val="bg2"/>
+                </a:solidFill>
+                <a:latin typeface="Athiti Medium" panose="00000600000000000000" pitchFamily="2" charset="-34"/>
+                <a:cs typeface="Athiti Medium" panose="00000600000000000000" pitchFamily="2" charset="-34"/>
+              </a:rPr>
+              <a:t> / </a:t>
+            </a:r>
+            <a:r>
+              <a:rPr lang="de-DE" sz="1100" dirty="0" err="1">
+                <a:solidFill>
+                  <a:schemeClr val="bg2"/>
+                </a:solidFill>
+                <a:latin typeface="Athiti Medium" panose="00000600000000000000" pitchFamily="2" charset="-34"/>
+                <a:cs typeface="Athiti Medium" panose="00000600000000000000" pitchFamily="2" charset="-34"/>
+              </a:rPr>
+              <a:t>ampLUNA</a:t>
+            </a:r>
+            <a:endParaRPr lang="de-DE" sz="1100" dirty="0">
+              <a:solidFill>
+                <a:schemeClr val="bg2"/>
+              </a:solidFill>
+              <a:latin typeface="Athiti Medium" panose="00000600000000000000" pitchFamily="2" charset="-34"/>
+              <a:cs typeface="Athiti Medium" panose="00000600000000000000" pitchFamily="2" charset="-34"/>
+            </a:endParaRPr>
+          </a:p>
+        </p:txBody>
+      </p:sp>
+      <p:sp>
+        <p:nvSpPr>
+          <p:cNvPr id="68" name="Textfeld 67">
+            <a:extLst>
+              <a:ext uri="{FF2B5EF4-FFF2-40B4-BE49-F238E27FC236}">
+                <a16:creationId xmlns:a16="http://schemas.microsoft.com/office/drawing/2014/main" id="{7BDD8E17-0549-2B49-9AD0-E5A8AFEFC0FA}"/>
+              </a:ext>
+            </a:extLst>
+          </p:cNvPr>
+          <p:cNvSpPr txBox="1"/>
+          <p:nvPr/>
+        </p:nvSpPr>
+        <p:spPr>
+          <a:xfrm>
+            <a:off x="3080058" y="1633353"/>
+            <a:ext cx="2861945" cy="261610"/>
+          </a:xfrm>
+          <a:prstGeom prst="rect">
+            <a:avLst/>
+          </a:prstGeom>
+          <a:noFill/>
+        </p:spPr>
+        <p:txBody>
+          <a:bodyPr wrap="square" rtlCol="0">
+            <a:spAutoFit/>
+          </a:bodyPr>
+          <a:lstStyle/>
+          <a:p>
+            <a:pPr algn="ctr"/>
+            <a:r>
+              <a:rPr lang="de-DE" sz="1100" dirty="0" err="1">
+                <a:solidFill>
+                  <a:schemeClr val="bg2"/>
+                </a:solidFill>
+                <a:latin typeface="Athiti Medium" panose="00000600000000000000" pitchFamily="2" charset="-34"/>
+                <a:cs typeface="Athiti Medium" panose="00000600000000000000" pitchFamily="2" charset="-34"/>
+              </a:rPr>
+              <a:t>ampOSMO</a:t>
+            </a:r>
+            <a:r>
+              <a:rPr lang="de-DE" sz="1100" dirty="0">
+                <a:solidFill>
+                  <a:schemeClr val="bg2"/>
+                </a:solidFill>
+                <a:latin typeface="Athiti Medium" panose="00000600000000000000" pitchFamily="2" charset="-34"/>
+                <a:cs typeface="Athiti Medium" panose="00000600000000000000" pitchFamily="2" charset="-34"/>
+              </a:rPr>
+              <a:t> / </a:t>
+            </a:r>
+            <a:r>
+              <a:rPr lang="de-DE" sz="1100" dirty="0" err="1">
+                <a:solidFill>
+                  <a:schemeClr val="bg2"/>
+                </a:solidFill>
+                <a:latin typeface="Athiti Medium" panose="00000600000000000000" pitchFamily="2" charset="-34"/>
+                <a:cs typeface="Athiti Medium" panose="00000600000000000000" pitchFamily="2" charset="-34"/>
+              </a:rPr>
+              <a:t>ampLUNA</a:t>
+            </a:r>
+            <a:endParaRPr lang="de-DE" sz="1100" dirty="0">
+              <a:solidFill>
+                <a:schemeClr val="bg2"/>
+              </a:solidFill>
+              <a:latin typeface="Athiti Medium" panose="00000600000000000000" pitchFamily="2" charset="-34"/>
+              <a:cs typeface="Athiti Medium" panose="00000600000000000000" pitchFamily="2" charset="-34"/>
+            </a:endParaRPr>
+          </a:p>
+        </p:txBody>
+      </p:sp>
+    </p:spTree>
+    <p:extLst>
+      <p:ext uri="{BB962C8B-B14F-4D97-AF65-F5344CB8AC3E}">
+        <p14:creationId xmlns:p14="http://schemas.microsoft.com/office/powerpoint/2010/main" val="3865517717"/>
+      </p:ext>
+    </p:extLst>
+  </p:cSld>
+  <p:clrMapOvr>
+    <a:masterClrMapping/>
+  </p:clrMapOvr>
+  <mc:AlternateContent xmlns:mc="http://schemas.openxmlformats.org/markup-compatibility/2006" xmlns:p14="http://schemas.microsoft.com/office/powerpoint/2010/main">
+    <mc:Choice Requires="p14">
+      <p:transition spd="slow" p14:dur="1250">
+        <p14:flip dir="r"/>
+      </p:transition>
+    </mc:Choice>
+    <mc:Fallback xmlns="">
+      <p:transition spd="slow">
+        <p:fade/>
+      </p:transition>
+    </mc:Fallback>
+  </mc:AlternateContent>
+</p:sld>
+</file>
+
+<file path=ppt/slides/slide22.xml><?xml version="1.0" encoding="utf-8"?>
+<p:sld xmlns:a="http://schemas.openxmlformats.org/drawingml/2006/main" xmlns:r="http://schemas.openxmlformats.org/officeDocument/2006/relationships" xmlns:p="http://schemas.openxmlformats.org/presentationml/2006/main">
+  <p:cSld>
+    <p:spTree>
+      <p:nvGrpSpPr>
+        <p:cNvPr id="1" name=""/>
+        <p:cNvGrpSpPr/>
+        <p:nvPr/>
+      </p:nvGrpSpPr>
+      <p:grpSpPr>
+        <a:xfrm>
+          <a:off x="0" y="0"/>
+          <a:ext cx="0" cy="0"/>
+          <a:chOff x="0" y="0"/>
+          <a:chExt cx="0" cy="0"/>
+        </a:xfrm>
+      </p:grpSpPr>
       <p:graphicFrame>
         <p:nvGraphicFramePr>
           <p:cNvPr id="5" name="Diagramm 4">
@@ -33066,7 +37297,7 @@
 </p:sld>
 </file>
 
-<file path=ppt/slides/slide21.xml><?xml version="1.0" encoding="utf-8"?>
+<file path=ppt/slides/slide23.xml><?xml version="1.0" encoding="utf-8"?>
 <p:sld xmlns:a="http://schemas.openxmlformats.org/drawingml/2006/main" xmlns:r="http://schemas.openxmlformats.org/officeDocument/2006/relationships" xmlns:p="http://schemas.openxmlformats.org/presentationml/2006/main">
   <p:cSld>
     <p:spTree>
@@ -33215,7 +37446,7 @@
 </p:sld>
 </file>
 
-<file path=ppt/slides/slide22.xml><?xml version="1.0" encoding="utf-8"?>
+<file path=ppt/slides/slide24.xml><?xml version="1.0" encoding="utf-8"?>
 <p:sld xmlns:a="http://schemas.openxmlformats.org/drawingml/2006/main" xmlns:r="http://schemas.openxmlformats.org/officeDocument/2006/relationships" xmlns:p="http://schemas.openxmlformats.org/presentationml/2006/main">
   <p:cSld>
     <p:spTree>
@@ -33287,7 +37518,7 @@
 </p:sld>
 </file>
 
-<file path=ppt/slides/slide23.xml><?xml version="1.0" encoding="utf-8"?>
+<file path=ppt/slides/slide25.xml><?xml version="1.0" encoding="utf-8"?>
 <p:sld xmlns:a="http://schemas.openxmlformats.org/drawingml/2006/main" xmlns:r="http://schemas.openxmlformats.org/officeDocument/2006/relationships" xmlns:p="http://schemas.openxmlformats.org/presentationml/2006/main">
   <p:cSld>
     <p:spTree>
@@ -37016,14 +41247,14 @@
             </a:ln>
             <a:extLst>
               <a:ext uri="{909E8E84-426E-40dd-AFC4-6F175D3DCCD1}">
-                <a14:hiddenFill xmlns="" xmlns:a14="http://schemas.microsoft.com/office/drawing/2010/main">
+                <a14:hiddenFill xmlns:a14="http://schemas.microsoft.com/office/drawing/2010/main" xmlns="">
                   <a:solidFill>
                     <a:srgbClr val="FFFFFF"/>
                   </a:solidFill>
                 </a14:hiddenFill>
               </a:ext>
               <a:ext uri="{91240B29-F687-4f45-9708-019B960494DF}">
-                <a14:hiddenLine xmlns="" xmlns:a14="http://schemas.microsoft.com/office/drawing/2010/main" w="12700">
+                <a14:hiddenLine xmlns:a14="http://schemas.microsoft.com/office/drawing/2010/main" xmlns="" w="12700">
                   <a:solidFill>
                     <a:schemeClr val="tx1"/>
                   </a:solidFill>
@@ -37351,14 +41582,14 @@
             </a:ln>
             <a:extLst>
               <a:ext uri="{909E8E84-426E-40dd-AFC4-6F175D3DCCD1}">
-                <a14:hiddenFill xmlns="" xmlns:a14="http://schemas.microsoft.com/office/drawing/2010/main">
+                <a14:hiddenFill xmlns:a14="http://schemas.microsoft.com/office/drawing/2010/main" xmlns="">
                   <a:solidFill>
                     <a:srgbClr val="FFFFFF"/>
                   </a:solidFill>
                 </a14:hiddenFill>
               </a:ext>
               <a:ext uri="{91240B29-F687-4f45-9708-019B960494DF}">
-                <a14:hiddenLine xmlns="" xmlns:a14="http://schemas.microsoft.com/office/drawing/2010/main" w="12700">
+                <a14:hiddenLine xmlns:a14="http://schemas.microsoft.com/office/drawing/2010/main" xmlns="" w="12700">
                   <a:solidFill>
                     <a:schemeClr val="tx1"/>
                   </a:solidFill>
@@ -37681,14 +41912,14 @@
             </a:ln>
             <a:extLst>
               <a:ext uri="{909E8E84-426E-40dd-AFC4-6F175D3DCCD1}">
-                <a14:hiddenFill xmlns="" xmlns:a14="http://schemas.microsoft.com/office/drawing/2010/main">
+                <a14:hiddenFill xmlns:a14="http://schemas.microsoft.com/office/drawing/2010/main" xmlns="">
                   <a:solidFill>
                     <a:srgbClr val="FFFFFF"/>
                   </a:solidFill>
                 </a14:hiddenFill>
               </a:ext>
               <a:ext uri="{91240B29-F687-4f45-9708-019B960494DF}">
-                <a14:hiddenLine xmlns="" xmlns:a14="http://schemas.microsoft.com/office/drawing/2010/main" w="12700">
+                <a14:hiddenLine xmlns:a14="http://schemas.microsoft.com/office/drawing/2010/main" xmlns="" w="12700">
                   <a:solidFill>
                     <a:schemeClr val="tx1"/>
                   </a:solidFill>
@@ -38011,14 +42242,14 @@
             </a:ln>
             <a:extLst>
               <a:ext uri="{909E8E84-426E-40dd-AFC4-6F175D3DCCD1}">
-                <a14:hiddenFill xmlns="" xmlns:a14="http://schemas.microsoft.com/office/drawing/2010/main">
+                <a14:hiddenFill xmlns:a14="http://schemas.microsoft.com/office/drawing/2010/main" xmlns="">
                   <a:solidFill>
                     <a:srgbClr val="FFFFFF"/>
                   </a:solidFill>
                 </a14:hiddenFill>
               </a:ext>
               <a:ext uri="{91240B29-F687-4f45-9708-019B960494DF}">
-                <a14:hiddenLine xmlns="" xmlns:a14="http://schemas.microsoft.com/office/drawing/2010/main" w="12700">
+                <a14:hiddenLine xmlns:a14="http://schemas.microsoft.com/office/drawing/2010/main" xmlns="" w="12700">
                   <a:solidFill>
                     <a:schemeClr val="tx1"/>
                   </a:solidFill>

--- a/_assets/eris.pptx
+++ b/_assets/eris.pptx
@@ -34086,7 +34086,7 @@
                 <a:latin typeface="Aldrich" panose="02000000000000000000" pitchFamily="2" charset="0"/>
                 <a:cs typeface="Athiti Medium" panose="00000600000000000000" pitchFamily="2" charset="-34"/>
               </a:rPr>
-              <a:t>EVMOS</a:t>
+              <a:t>Terra Classic</a:t>
             </a:r>
           </a:p>
         </p:txBody>
@@ -34782,7 +34782,7 @@
                 <a:latin typeface="Athiti Medium" panose="00000600000000000000" pitchFamily="2" charset="-34"/>
                 <a:cs typeface="Athiti Medium" panose="00000600000000000000" pitchFamily="2" charset="-34"/>
               </a:rPr>
-              <a:t>ampEVMOS</a:t>
+              <a:t>ampLUNC</a:t>
             </a:r>
             <a:r>
               <a:rPr lang="de-DE" sz="1100" dirty="0">
@@ -35098,6 +35098,9 @@
           <a:solidFill>
             <a:srgbClr val="000000"/>
           </a:solidFill>
+          <a:ln>
+            <a:noFill/>
+          </a:ln>
         </p:spPr>
         <p:style>
           <a:lnRef idx="2">
@@ -36103,7 +36106,7 @@
                 <a:latin typeface="Aldrich" panose="02000000000000000000" pitchFamily="2" charset="0"/>
                 <a:cs typeface="Athiti Medium" panose="00000600000000000000" pitchFamily="2" charset="-34"/>
               </a:rPr>
-              <a:t>EVMOS</a:t>
+              <a:t>Terra Classic</a:t>
             </a:r>
           </a:p>
         </p:txBody>
@@ -36862,7 +36865,7 @@
                 <a:latin typeface="Athiti Medium" panose="00000600000000000000" pitchFamily="2" charset="-34"/>
                 <a:cs typeface="Athiti Medium" panose="00000600000000000000" pitchFamily="2" charset="-34"/>
               </a:rPr>
-              <a:t>ampEVMOS</a:t>
+              <a:t>ampLUNC</a:t>
             </a:r>
             <a:r>
               <a:rPr lang="de-DE" sz="1100" dirty="0">
